--- a/Calendario2022/Presentaciones/3_ModeloOSI_profesor.pptx
+++ b/Calendario2022/Presentaciones/3_ModeloOSI_profesor.pptx
@@ -5,7 +5,7 @@
     <p:sldMasterId id="2147483648" r:id="rId1"/>
   </p:sldMasterIdLst>
   <p:notesMasterIdLst>
-    <p:notesMasterId r:id="rId33"/>
+    <p:notesMasterId r:id="rId34"/>
   </p:notesMasterIdLst>
   <p:sldIdLst>
     <p:sldId id="257" r:id="rId2"/>
@@ -27,18 +27,19 @@
     <p:sldId id="322" r:id="rId18"/>
     <p:sldId id="813" r:id="rId19"/>
     <p:sldId id="323" r:id="rId20"/>
-    <p:sldId id="324" r:id="rId21"/>
-    <p:sldId id="325" r:id="rId22"/>
-    <p:sldId id="812" r:id="rId23"/>
-    <p:sldId id="811" r:id="rId24"/>
-    <p:sldId id="326" r:id="rId25"/>
-    <p:sldId id="808" r:id="rId26"/>
-    <p:sldId id="810" r:id="rId27"/>
-    <p:sldId id="805" r:id="rId28"/>
-    <p:sldId id="807" r:id="rId29"/>
-    <p:sldId id="806" r:id="rId30"/>
-    <p:sldId id="328" r:id="rId31"/>
-    <p:sldId id="816" r:id="rId32"/>
+    <p:sldId id="817" r:id="rId21"/>
+    <p:sldId id="324" r:id="rId22"/>
+    <p:sldId id="325" r:id="rId23"/>
+    <p:sldId id="812" r:id="rId24"/>
+    <p:sldId id="811" r:id="rId25"/>
+    <p:sldId id="326" r:id="rId26"/>
+    <p:sldId id="808" r:id="rId27"/>
+    <p:sldId id="810" r:id="rId28"/>
+    <p:sldId id="805" r:id="rId29"/>
+    <p:sldId id="807" r:id="rId30"/>
+    <p:sldId id="806" r:id="rId31"/>
+    <p:sldId id="328" r:id="rId32"/>
+    <p:sldId id="816" r:id="rId33"/>
   </p:sldIdLst>
   <p:sldSz cx="9144000" cy="6858000" type="screen4x3"/>
   <p:notesSz cx="6858000" cy="9144000"/>
@@ -238,7 +239,7 @@
           <a:p>
             <a:fld id="{2D445F07-8756-451B-A938-0248325FC7BB}" type="datetimeFigureOut">
               <a:rPr lang="es-MX" smtClean="0"/>
-              <a:t>16/05/2022</a:t>
+              <a:t>24/05/2022</a:t>
             </a:fld>
             <a:endParaRPr lang="es-MX" dirty="0"/>
           </a:p>
@@ -609,19 +610,21 @@
       </p:grpSpPr>
       <p:sp>
         <p:nvSpPr>
-          <p:cNvPr id="2" name="Marcador de imagen de diapositiva 1"/>
+          <p:cNvPr id="26626" name="1 Marcador de imagen de diapositiva"/>
           <p:cNvSpPr>
-            <a:spLocks noGrp="1" noRot="1" noChangeAspect="1"/>
+            <a:spLocks noGrp="1" noRot="1" noChangeAspect="1" noTextEdit="1"/>
           </p:cNvSpPr>
           <p:nvPr>
             <p:ph type="sldImg"/>
           </p:nvPr>
         </p:nvSpPr>
-        <p:spPr/>
+        <p:spPr>
+          <a:ln/>
+        </p:spPr>
       </p:sp>
       <p:sp>
         <p:nvSpPr>
-          <p:cNvPr id="3" name="Marcador de notas 2"/>
+          <p:cNvPr id="26627" name="2 Marcador de notas"/>
           <p:cNvSpPr>
             <a:spLocks noGrp="1"/>
           </p:cNvSpPr>
@@ -629,48 +632,40 @@
             <p:ph type="body" idx="1"/>
           </p:nvPr>
         </p:nvSpPr>
-        <p:spPr/>
+        <p:spPr>
+          <a:noFill/>
+          <a:ln/>
+          <a:extLst>
+            <a:ext uri="{909E8E84-426E-40DD-AFC4-6F175D3DCCD1}">
+              <a14:hiddenFill xmlns:a14="http://schemas.microsoft.com/office/drawing/2010/main">
+                <a:solidFill>
+                  <a:srgbClr val="FFFFFF"/>
+                </a:solidFill>
+              </a14:hiddenFill>
+            </a:ext>
+            <a:ext uri="{91240B29-F687-4F45-9708-019B960494DF}">
+              <a14:hiddenLine xmlns:a14="http://schemas.microsoft.com/office/drawing/2010/main" w="9525">
+                <a:solidFill>
+                  <a:srgbClr val="000000"/>
+                </a:solidFill>
+                <a:miter lim="800000"/>
+                <a:headEnd/>
+                <a:tailEnd/>
+              </a14:hiddenLine>
+            </a:ext>
+          </a:extLst>
+        </p:spPr>
         <p:txBody>
           <a:bodyPr/>
           <a:lstStyle/>
           <a:p>
-            <a:r>
-              <a:rPr lang="es-ES" dirty="0"/>
-              <a:t>En </a:t>
-            </a:r>
-            <a:r>
-              <a:rPr lang="es-ES" dirty="0">
-                <a:hlinkClick r:id="rId3" tooltip="Telecomunicación"/>
-              </a:rPr>
-              <a:t>telecomunicaciones</a:t>
-            </a:r>
-            <a:r>
-              <a:rPr lang="es-ES" dirty="0"/>
-              <a:t>, </a:t>
-            </a:r>
-            <a:r>
-              <a:rPr lang="es-ES" b="1" dirty="0"/>
-              <a:t>no orientado a la conexión</a:t>
-            </a:r>
-            <a:r>
-              <a:rPr lang="es-ES" dirty="0"/>
-              <a:t> significa una comunicación entre dos puntos finales de una red en los que un mensaje puede ser enviado desde un punto final a otro sin acuerdo previo. </a:t>
-            </a:r>
-          </a:p>
-          <a:p>
-            <a:r>
-              <a:rPr lang="es-ES" dirty="0"/>
-              <a:t>El dispositivo en un extremo de la comunicación transmite los datos al otro, sin tener que asegurarse de que el receptor esté disponible y listo para recibir los datos. El emisor simplemente envía un mensaje dirigido al receptor. </a:t>
-            </a:r>
-          </a:p>
-          <a:p>
-            <a:endParaRPr lang="es-MX" dirty="0"/>
+            <a:endParaRPr lang="es-MX"/>
           </a:p>
         </p:txBody>
       </p:sp>
       <p:sp>
         <p:nvSpPr>
-          <p:cNvPr id="4" name="Marcador de número de diapositiva 3"/>
+          <p:cNvPr id="26628" name="3 Marcador de número de diapositiva"/>
           <p:cNvSpPr>
             <a:spLocks noGrp="1"/>
           </p:cNvSpPr>
@@ -678,23 +673,143 @@
             <p:ph type="sldNum" sz="quarter" idx="5"/>
           </p:nvPr>
         </p:nvSpPr>
-        <p:spPr/>
+        <p:spPr>
+          <a:noFill/>
+          <a:ln/>
+          <a:extLst>
+            <a:ext uri="{909E8E84-426E-40DD-AFC4-6F175D3DCCD1}">
+              <a14:hiddenFill xmlns:a14="http://schemas.microsoft.com/office/drawing/2010/main">
+                <a:solidFill>
+                  <a:srgbClr val="FFFFFF"/>
+                </a:solidFill>
+              </a14:hiddenFill>
+            </a:ext>
+            <a:ext uri="{91240B29-F687-4F45-9708-019B960494DF}">
+              <a14:hiddenLine xmlns:a14="http://schemas.microsoft.com/office/drawing/2010/main" w="9525">
+                <a:solidFill>
+                  <a:srgbClr val="000000"/>
+                </a:solidFill>
+                <a:miter lim="800000"/>
+                <a:headEnd/>
+                <a:tailEnd/>
+              </a14:hiddenLine>
+            </a:ext>
+          </a:extLst>
+        </p:spPr>
         <p:txBody>
           <a:bodyPr/>
-          <a:lstStyle/>
-          <a:p>
-            <a:fld id="{5993AEC0-242E-4FA7-9D3C-51E1036AC3CB}" type="slidenum">
-              <a:rPr lang="es-MX" smtClean="0"/>
+          <a:lstStyle>
+            <a:lvl1pPr>
+              <a:defRPr sz="2400">
+                <a:solidFill>
+                  <a:schemeClr val="tx1"/>
+                </a:solidFill>
+                <a:latin typeface="Times New Roman" pitchFamily="18" charset="0"/>
+              </a:defRPr>
+            </a:lvl1pPr>
+            <a:lvl2pPr marL="742950" indent="-285750">
+              <a:defRPr sz="2400">
+                <a:solidFill>
+                  <a:schemeClr val="tx1"/>
+                </a:solidFill>
+                <a:latin typeface="Times New Roman" pitchFamily="18" charset="0"/>
+              </a:defRPr>
+            </a:lvl2pPr>
+            <a:lvl3pPr marL="1143000" indent="-228600">
+              <a:defRPr sz="2400">
+                <a:solidFill>
+                  <a:schemeClr val="tx1"/>
+                </a:solidFill>
+                <a:latin typeface="Times New Roman" pitchFamily="18" charset="0"/>
+              </a:defRPr>
+            </a:lvl3pPr>
+            <a:lvl4pPr marL="1600200" indent="-228600">
+              <a:defRPr sz="2400">
+                <a:solidFill>
+                  <a:schemeClr val="tx1"/>
+                </a:solidFill>
+                <a:latin typeface="Times New Roman" pitchFamily="18" charset="0"/>
+              </a:defRPr>
+            </a:lvl4pPr>
+            <a:lvl5pPr marL="2057400" indent="-228600">
+              <a:defRPr sz="2400">
+                <a:solidFill>
+                  <a:schemeClr val="tx1"/>
+                </a:solidFill>
+                <a:latin typeface="Times New Roman" pitchFamily="18" charset="0"/>
+              </a:defRPr>
+            </a:lvl5pPr>
+            <a:lvl6pPr marL="2514600" indent="-228600" eaLnBrk="0" fontAlgn="base" hangingPunct="0">
+              <a:spcBef>
+                <a:spcPct val="0"/>
+              </a:spcBef>
+              <a:spcAft>
+                <a:spcPct val="0"/>
+              </a:spcAft>
+              <a:defRPr sz="2400">
+                <a:solidFill>
+                  <a:schemeClr val="tx1"/>
+                </a:solidFill>
+                <a:latin typeface="Times New Roman" pitchFamily="18" charset="0"/>
+              </a:defRPr>
+            </a:lvl6pPr>
+            <a:lvl7pPr marL="2971800" indent="-228600" eaLnBrk="0" fontAlgn="base" hangingPunct="0">
+              <a:spcBef>
+                <a:spcPct val="0"/>
+              </a:spcBef>
+              <a:spcAft>
+                <a:spcPct val="0"/>
+              </a:spcAft>
+              <a:defRPr sz="2400">
+                <a:solidFill>
+                  <a:schemeClr val="tx1"/>
+                </a:solidFill>
+                <a:latin typeface="Times New Roman" pitchFamily="18" charset="0"/>
+              </a:defRPr>
+            </a:lvl7pPr>
+            <a:lvl8pPr marL="3429000" indent="-228600" eaLnBrk="0" fontAlgn="base" hangingPunct="0">
+              <a:spcBef>
+                <a:spcPct val="0"/>
+              </a:spcBef>
+              <a:spcAft>
+                <a:spcPct val="0"/>
+              </a:spcAft>
+              <a:defRPr sz="2400">
+                <a:solidFill>
+                  <a:schemeClr val="tx1"/>
+                </a:solidFill>
+                <a:latin typeface="Times New Roman" pitchFamily="18" charset="0"/>
+              </a:defRPr>
+            </a:lvl8pPr>
+            <a:lvl9pPr marL="3886200" indent="-228600" eaLnBrk="0" fontAlgn="base" hangingPunct="0">
+              <a:spcBef>
+                <a:spcPct val="0"/>
+              </a:spcBef>
+              <a:spcAft>
+                <a:spcPct val="0"/>
+              </a:spcAft>
+              <a:defRPr sz="2400">
+                <a:solidFill>
+                  <a:schemeClr val="tx1"/>
+                </a:solidFill>
+                <a:latin typeface="Times New Roman" pitchFamily="18" charset="0"/>
+              </a:defRPr>
+            </a:lvl9pPr>
+          </a:lstStyle>
+          <a:p>
+            <a:fld id="{12009871-1073-4F04-A026-F44FC0346C49}" type="slidenum">
+              <a:rPr lang="es-MX" sz="1200" smtClean="0"/>
+              <a:pPr/>
               <a:t>20</a:t>
             </a:fld>
-            <a:endParaRPr lang="es-MX" dirty="0"/>
+            <a:endParaRPr lang="es-MX" sz="1200"/>
           </a:p>
         </p:txBody>
       </p:sp>
     </p:spTree>
     <p:extLst>
       <p:ext uri="{BB962C8B-B14F-4D97-AF65-F5344CB8AC3E}">
-        <p14:creationId xmlns:p14="http://schemas.microsoft.com/office/powerpoint/2010/main" val="1751938229"/>
+        <p14:creationId xmlns:p14="http://schemas.microsoft.com/office/powerpoint/2010/main" val="255094770"/>
       </p:ext>
     </p:extLst>
   </p:cSld>
@@ -749,55 +864,35 @@
           <a:lstStyle/>
           <a:p>
             <a:r>
-              <a:rPr lang="es-ES" b="0" i="0" dirty="0">
-                <a:solidFill>
-                  <a:srgbClr val="202124"/>
-                </a:solidFill>
-                <a:effectLst/>
-                <a:latin typeface="arial" panose="020B0604020202020204" pitchFamily="34" charset="0"/>
-              </a:rPr>
-              <a:t>Un </a:t>
-            </a:r>
-            <a:r>
-              <a:rPr lang="es-ES" b="1" i="0" dirty="0">
-                <a:solidFill>
-                  <a:srgbClr val="202124"/>
-                </a:solidFill>
-                <a:effectLst/>
-                <a:latin typeface="arial" panose="020B0604020202020204" pitchFamily="34" charset="0"/>
-              </a:rPr>
-              <a:t>Bridge</a:t>
-            </a:r>
-            <a:r>
-              <a:rPr lang="es-ES" b="0" i="0" dirty="0">
-                <a:solidFill>
-                  <a:srgbClr val="202124"/>
-                </a:solidFill>
-                <a:effectLst/>
-                <a:latin typeface="arial" panose="020B0604020202020204" pitchFamily="34" charset="0"/>
-              </a:rPr>
-              <a:t> o Puente de red conecta dos redes de área local. Un </a:t>
-            </a:r>
-            <a:r>
-              <a:rPr lang="es-ES" b="1" i="0" dirty="0">
-                <a:solidFill>
-                  <a:srgbClr val="202124"/>
-                </a:solidFill>
-                <a:effectLst/>
-                <a:latin typeface="arial" panose="020B0604020202020204" pitchFamily="34" charset="0"/>
-              </a:rPr>
-              <a:t>Switch</a:t>
-            </a:r>
-            <a:r>
-              <a:rPr lang="es-ES" b="0" i="0" dirty="0">
-                <a:solidFill>
-                  <a:srgbClr val="202124"/>
-                </a:solidFill>
-                <a:effectLst/>
-                <a:latin typeface="arial" panose="020B0604020202020204" pitchFamily="34" charset="0"/>
-              </a:rPr>
-              <a:t> o Conmutador de red, por otro lado, conecta varios clientes a una red.</a:t>
-            </a:r>
+              <a:rPr lang="es-ES" dirty="0"/>
+              <a:t>En </a:t>
+            </a:r>
+            <a:r>
+              <a:rPr lang="es-ES" dirty="0">
+                <a:hlinkClick r:id="rId3" tooltip="Telecomunicación"/>
+              </a:rPr>
+              <a:t>telecomunicaciones</a:t>
+            </a:r>
+            <a:r>
+              <a:rPr lang="es-ES" dirty="0"/>
+              <a:t>, </a:t>
+            </a:r>
+            <a:r>
+              <a:rPr lang="es-ES" b="1" dirty="0"/>
+              <a:t>no orientado a la conexión</a:t>
+            </a:r>
+            <a:r>
+              <a:rPr lang="es-ES" dirty="0"/>
+              <a:t> significa una comunicación entre dos puntos finales de una red en los que un mensaje puede ser enviado desde un punto final a otro sin acuerdo previo. </a:t>
+            </a:r>
+          </a:p>
+          <a:p>
+            <a:r>
+              <a:rPr lang="es-ES" dirty="0"/>
+              <a:t>El dispositivo en un extremo de la comunicación transmite los datos al otro, sin tener que asegurarse de que el receptor esté disponible y listo para recibir los datos. El emisor simplemente envía un mensaje dirigido al receptor. </a:t>
+            </a:r>
+          </a:p>
+          <a:p>
             <a:endParaRPr lang="es-MX" dirty="0"/>
           </a:p>
         </p:txBody>
@@ -819,7 +914,7 @@
           <a:p>
             <a:fld id="{5993AEC0-242E-4FA7-9D3C-51E1036AC3CB}" type="slidenum">
               <a:rPr lang="es-MX" smtClean="0"/>
-              <a:t>26</a:t>
+              <a:t>21</a:t>
             </a:fld>
             <a:endParaRPr lang="es-MX" dirty="0"/>
           </a:p>
@@ -828,7 +923,7 @@
     </p:spTree>
     <p:extLst>
       <p:ext uri="{BB962C8B-B14F-4D97-AF65-F5344CB8AC3E}">
-        <p14:creationId xmlns:p14="http://schemas.microsoft.com/office/powerpoint/2010/main" val="1080178364"/>
+        <p14:creationId xmlns:p14="http://schemas.microsoft.com/office/powerpoint/2010/main" val="1751938229"/>
       </p:ext>
     </p:extLst>
   </p:cSld>
@@ -882,6 +977,56 @@
           <a:bodyPr/>
           <a:lstStyle/>
           <a:p>
+            <a:r>
+              <a:rPr lang="es-ES" b="0" i="0" dirty="0">
+                <a:solidFill>
+                  <a:srgbClr val="202124"/>
+                </a:solidFill>
+                <a:effectLst/>
+                <a:latin typeface="arial" panose="020B0604020202020204" pitchFamily="34" charset="0"/>
+              </a:rPr>
+              <a:t>Un </a:t>
+            </a:r>
+            <a:r>
+              <a:rPr lang="es-ES" b="1" i="0" dirty="0">
+                <a:solidFill>
+                  <a:srgbClr val="202124"/>
+                </a:solidFill>
+                <a:effectLst/>
+                <a:latin typeface="arial" panose="020B0604020202020204" pitchFamily="34" charset="0"/>
+              </a:rPr>
+              <a:t>Bridge</a:t>
+            </a:r>
+            <a:r>
+              <a:rPr lang="es-ES" b="0" i="0" dirty="0">
+                <a:solidFill>
+                  <a:srgbClr val="202124"/>
+                </a:solidFill>
+                <a:effectLst/>
+                <a:latin typeface="arial" panose="020B0604020202020204" pitchFamily="34" charset="0"/>
+              </a:rPr>
+              <a:t> o Puente de red conecta dos redes de área local. Un </a:t>
+            </a:r>
+            <a:r>
+              <a:rPr lang="es-ES" b="1" i="0" dirty="0">
+                <a:solidFill>
+                  <a:srgbClr val="202124"/>
+                </a:solidFill>
+                <a:effectLst/>
+                <a:latin typeface="arial" panose="020B0604020202020204" pitchFamily="34" charset="0"/>
+              </a:rPr>
+              <a:t>Switch</a:t>
+            </a:r>
+            <a:r>
+              <a:rPr lang="es-ES" b="0" i="0" dirty="0">
+                <a:solidFill>
+                  <a:srgbClr val="202124"/>
+                </a:solidFill>
+                <a:effectLst/>
+                <a:latin typeface="arial" panose="020B0604020202020204" pitchFamily="34" charset="0"/>
+              </a:rPr>
+              <a:t> o Conmutador de red, por otro lado, conecta varios clientes a una red.</a:t>
+            </a:r>
             <a:endParaRPr lang="es-MX" dirty="0"/>
           </a:p>
         </p:txBody>
@@ -903,7 +1048,91 @@
           <a:p>
             <a:fld id="{5993AEC0-242E-4FA7-9D3C-51E1036AC3CB}" type="slidenum">
               <a:rPr lang="es-MX" smtClean="0"/>
-              <a:t>30</a:t>
+              <a:t>27</a:t>
+            </a:fld>
+            <a:endParaRPr lang="es-MX" dirty="0"/>
+          </a:p>
+        </p:txBody>
+      </p:sp>
+    </p:spTree>
+    <p:extLst>
+      <p:ext uri="{BB962C8B-B14F-4D97-AF65-F5344CB8AC3E}">
+        <p14:creationId xmlns:p14="http://schemas.microsoft.com/office/powerpoint/2010/main" val="1080178364"/>
+      </p:ext>
+    </p:extLst>
+  </p:cSld>
+  <p:clrMapOvr>
+    <a:masterClrMapping/>
+  </p:clrMapOvr>
+</p:notes>
+</file>
+
+<file path=ppt/notesSlides/notesSlide13.xml><?xml version="1.0" encoding="utf-8"?>
+<p:notes xmlns:a="http://schemas.openxmlformats.org/drawingml/2006/main" xmlns:r="http://schemas.openxmlformats.org/officeDocument/2006/relationships" xmlns:p="http://schemas.openxmlformats.org/presentationml/2006/main">
+  <p:cSld>
+    <p:spTree>
+      <p:nvGrpSpPr>
+        <p:cNvPr id="1" name=""/>
+        <p:cNvGrpSpPr/>
+        <p:nvPr/>
+      </p:nvGrpSpPr>
+      <p:grpSpPr>
+        <a:xfrm>
+          <a:off x="0" y="0"/>
+          <a:ext cx="0" cy="0"/>
+          <a:chOff x="0" y="0"/>
+          <a:chExt cx="0" cy="0"/>
+        </a:xfrm>
+      </p:grpSpPr>
+      <p:sp>
+        <p:nvSpPr>
+          <p:cNvPr id="2" name="Marcador de imagen de diapositiva 1"/>
+          <p:cNvSpPr>
+            <a:spLocks noGrp="1" noRot="1" noChangeAspect="1"/>
+          </p:cNvSpPr>
+          <p:nvPr>
+            <p:ph type="sldImg"/>
+          </p:nvPr>
+        </p:nvSpPr>
+        <p:spPr/>
+      </p:sp>
+      <p:sp>
+        <p:nvSpPr>
+          <p:cNvPr id="3" name="Marcador de notas 2"/>
+          <p:cNvSpPr>
+            <a:spLocks noGrp="1"/>
+          </p:cNvSpPr>
+          <p:nvPr>
+            <p:ph type="body" idx="1"/>
+          </p:nvPr>
+        </p:nvSpPr>
+        <p:spPr/>
+        <p:txBody>
+          <a:bodyPr/>
+          <a:lstStyle/>
+          <a:p>
+            <a:endParaRPr lang="es-MX" dirty="0"/>
+          </a:p>
+        </p:txBody>
+      </p:sp>
+      <p:sp>
+        <p:nvSpPr>
+          <p:cNvPr id="4" name="Marcador de número de diapositiva 3"/>
+          <p:cNvSpPr>
+            <a:spLocks noGrp="1"/>
+          </p:cNvSpPr>
+          <p:nvPr>
+            <p:ph type="sldNum" sz="quarter" idx="5"/>
+          </p:nvPr>
+        </p:nvSpPr>
+        <p:spPr/>
+        <p:txBody>
+          <a:bodyPr/>
+          <a:lstStyle/>
+          <a:p>
+            <a:fld id="{5993AEC0-242E-4FA7-9D3C-51E1036AC3CB}" type="slidenum">
+              <a:rPr lang="es-MX" smtClean="0"/>
+              <a:t>31</a:t>
             </a:fld>
             <a:endParaRPr lang="es-MX" dirty="0"/>
           </a:p>
@@ -922,7 +1151,7 @@
 </p:notes>
 </file>
 
-<file path=ppt/notesSlides/notesSlide13.xml><?xml version="1.0" encoding="utf-8"?>
+<file path=ppt/notesSlides/notesSlide14.xml><?xml version="1.0" encoding="utf-8"?>
 <p:notes xmlns:a="http://schemas.openxmlformats.org/drawingml/2006/main" xmlns:r="http://schemas.openxmlformats.org/officeDocument/2006/relationships" xmlns:p="http://schemas.openxmlformats.org/presentationml/2006/main">
   <p:cSld>
     <p:spTree>
@@ -1088,7 +1317,7 @@
             <a:fld id="{04267211-205D-47E8-9F29-7E4C01D43DC3}" type="slidenum">
               <a:rPr lang="en-US" altLang="en-US" sz="800" smtClean="0"/>
               <a:pPr/>
-              <a:t>31</a:t>
+              <a:t>32</a:t>
             </a:fld>
             <a:endParaRPr lang="es-ES" altLang="en-US" sz="800" dirty="0"/>
           </a:p>
@@ -2944,7 +3173,7 @@
           <a:p>
             <a:fld id="{5E75A0DC-66C6-4CEC-A5EB-F8C97CEC3796}" type="datetimeFigureOut">
               <a:rPr lang="es-MX" smtClean="0"/>
-              <a:t>16/05/2022</a:t>
+              <a:t>24/05/2022</a:t>
             </a:fld>
             <a:endParaRPr lang="es-MX" dirty="0"/>
           </a:p>
@@ -3114,7 +3343,7 @@
           <a:p>
             <a:fld id="{5E75A0DC-66C6-4CEC-A5EB-F8C97CEC3796}" type="datetimeFigureOut">
               <a:rPr lang="es-MX" smtClean="0"/>
-              <a:t>16/05/2022</a:t>
+              <a:t>24/05/2022</a:t>
             </a:fld>
             <a:endParaRPr lang="es-MX" dirty="0"/>
           </a:p>
@@ -3294,7 +3523,7 @@
           <a:p>
             <a:fld id="{5E75A0DC-66C6-4CEC-A5EB-F8C97CEC3796}" type="datetimeFigureOut">
               <a:rPr lang="es-MX" smtClean="0"/>
-              <a:t>16/05/2022</a:t>
+              <a:t>24/05/2022</a:t>
             </a:fld>
             <a:endParaRPr lang="es-MX" dirty="0"/>
           </a:p>
@@ -3769,7 +3998,7 @@
           <a:p>
             <a:fld id="{5E75A0DC-66C6-4CEC-A5EB-F8C97CEC3796}" type="datetimeFigureOut">
               <a:rPr lang="es-MX" smtClean="0"/>
-              <a:t>16/05/2022</a:t>
+              <a:t>24/05/2022</a:t>
             </a:fld>
             <a:endParaRPr lang="es-MX" dirty="0"/>
           </a:p>
@@ -4015,7 +4244,7 @@
           <a:p>
             <a:fld id="{5E75A0DC-66C6-4CEC-A5EB-F8C97CEC3796}" type="datetimeFigureOut">
               <a:rPr lang="es-MX" smtClean="0"/>
-              <a:t>16/05/2022</a:t>
+              <a:t>24/05/2022</a:t>
             </a:fld>
             <a:endParaRPr lang="es-MX" dirty="0"/>
           </a:p>
@@ -4303,7 +4532,7 @@
           <a:p>
             <a:fld id="{5E75A0DC-66C6-4CEC-A5EB-F8C97CEC3796}" type="datetimeFigureOut">
               <a:rPr lang="es-MX" smtClean="0"/>
-              <a:t>16/05/2022</a:t>
+              <a:t>24/05/2022</a:t>
             </a:fld>
             <a:endParaRPr lang="es-MX" dirty="0"/>
           </a:p>
@@ -4725,7 +4954,7 @@
           <a:p>
             <a:fld id="{5E75A0DC-66C6-4CEC-A5EB-F8C97CEC3796}" type="datetimeFigureOut">
               <a:rPr lang="es-MX" smtClean="0"/>
-              <a:t>16/05/2022</a:t>
+              <a:t>24/05/2022</a:t>
             </a:fld>
             <a:endParaRPr lang="es-MX" dirty="0"/>
           </a:p>
@@ -4843,7 +5072,7 @@
           <a:p>
             <a:fld id="{5E75A0DC-66C6-4CEC-A5EB-F8C97CEC3796}" type="datetimeFigureOut">
               <a:rPr lang="es-MX" smtClean="0"/>
-              <a:t>16/05/2022</a:t>
+              <a:t>24/05/2022</a:t>
             </a:fld>
             <a:endParaRPr lang="es-MX" dirty="0"/>
           </a:p>
@@ -4938,7 +5167,7 @@
           <a:p>
             <a:fld id="{5E75A0DC-66C6-4CEC-A5EB-F8C97CEC3796}" type="datetimeFigureOut">
               <a:rPr lang="es-MX" smtClean="0"/>
-              <a:t>16/05/2022</a:t>
+              <a:t>24/05/2022</a:t>
             </a:fld>
             <a:endParaRPr lang="es-MX" dirty="0"/>
           </a:p>
@@ -5215,7 +5444,7 @@
           <a:p>
             <a:fld id="{5E75A0DC-66C6-4CEC-A5EB-F8C97CEC3796}" type="datetimeFigureOut">
               <a:rPr lang="es-MX" smtClean="0"/>
-              <a:t>16/05/2022</a:t>
+              <a:t>24/05/2022</a:t>
             </a:fld>
             <a:endParaRPr lang="es-MX" dirty="0"/>
           </a:p>
@@ -5468,7 +5697,7 @@
           <a:p>
             <a:fld id="{5E75A0DC-66C6-4CEC-A5EB-F8C97CEC3796}" type="datetimeFigureOut">
               <a:rPr lang="es-MX" smtClean="0"/>
-              <a:t>16/05/2022</a:t>
+              <a:t>24/05/2022</a:t>
             </a:fld>
             <a:endParaRPr lang="es-MX" dirty="0"/>
           </a:p>
@@ -5681,7 +5910,7 @@
           <a:p>
             <a:fld id="{5E75A0DC-66C6-4CEC-A5EB-F8C97CEC3796}" type="datetimeFigureOut">
               <a:rPr lang="es-MX" smtClean="0"/>
-              <a:t>16/05/2022</a:t>
+              <a:t>24/05/2022</a:t>
             </a:fld>
             <a:endParaRPr lang="es-MX" dirty="0"/>
           </a:p>
@@ -14527,7 +14756,7 @@
           <a:graphicData uri="http://schemas.openxmlformats.org/presentationml/2006/ole">
             <mc:AlternateContent xmlns:mc="http://schemas.openxmlformats.org/markup-compatibility/2006">
               <mc:Choice xmlns:v="urn:schemas-microsoft-com:vml" Requires="v">
-                <p:oleObj spid="_x0000_s5203" name="Bitmap Image" r:id="rId3" imgW="1752475" imgH="2400653" progId="Paint.Picture">
+                <p:oleObj spid="_x0000_s5205" name="Bitmap Image" r:id="rId3" imgW="1752475" imgH="2400653" progId="Paint.Picture">
                   <p:embed/>
                 </p:oleObj>
               </mc:Choice>
@@ -14860,6 +15089,732 @@
 </file>
 
 <file path=ppt/slides/slide20.xml><?xml version="1.0" encoding="utf-8"?>
+<p:sld xmlns:a="http://schemas.openxmlformats.org/drawingml/2006/main" xmlns:r="http://schemas.openxmlformats.org/officeDocument/2006/relationships" xmlns:p="http://schemas.openxmlformats.org/presentationml/2006/main">
+  <p:cSld>
+    <p:spTree>
+      <p:nvGrpSpPr>
+        <p:cNvPr id="1" name=""/>
+        <p:cNvGrpSpPr/>
+        <p:nvPr/>
+      </p:nvGrpSpPr>
+      <p:grpSpPr>
+        <a:xfrm>
+          <a:off x="0" y="0"/>
+          <a:ext cx="0" cy="0"/>
+          <a:chOff x="0" y="0"/>
+          <a:chExt cx="0" cy="0"/>
+        </a:xfrm>
+      </p:grpSpPr>
+      <p:sp>
+        <p:nvSpPr>
+          <p:cNvPr id="6" name="5 CuadroTexto"/>
+          <p:cNvSpPr txBox="1">
+            <a:spLocks noChangeArrowheads="1"/>
+          </p:cNvSpPr>
+          <p:nvPr/>
+        </p:nvSpPr>
+        <p:spPr bwMode="auto">
+          <a:xfrm>
+            <a:off x="2614989" y="1628507"/>
+            <a:ext cx="6072188" cy="4815164"/>
+          </a:xfrm>
+          <a:prstGeom prst="rect">
+            <a:avLst/>
+          </a:prstGeom>
+          <a:noFill/>
+          <a:ln>
+            <a:noFill/>
+          </a:ln>
+          <a:extLst>
+            <a:ext uri="{909E8E84-426E-40DD-AFC4-6F175D3DCCD1}">
+              <a14:hiddenFill xmlns:a14="http://schemas.microsoft.com/office/drawing/2010/main">
+                <a:solidFill>
+                  <a:srgbClr val="FFFFFF"/>
+                </a:solidFill>
+              </a14:hiddenFill>
+            </a:ext>
+            <a:ext uri="{91240B29-F687-4F45-9708-019B960494DF}">
+              <a14:hiddenLine xmlns:a14="http://schemas.microsoft.com/office/drawing/2010/main" w="9525">
+                <a:solidFill>
+                  <a:srgbClr val="000000"/>
+                </a:solidFill>
+                <a:miter lim="800000"/>
+                <a:headEnd/>
+                <a:tailEnd/>
+              </a14:hiddenLine>
+            </a:ext>
+          </a:extLst>
+        </p:spPr>
+        <p:txBody>
+          <a:bodyPr wrap="square">
+            <a:spAutoFit/>
+          </a:bodyPr>
+          <a:lstStyle>
+            <a:lvl1pPr>
+              <a:defRPr sz="2400">
+                <a:solidFill>
+                  <a:schemeClr val="tx1"/>
+                </a:solidFill>
+                <a:latin typeface="Times New Roman" pitchFamily="18" charset="0"/>
+              </a:defRPr>
+            </a:lvl1pPr>
+            <a:lvl2pPr marL="742950" indent="-285750">
+              <a:defRPr sz="2400">
+                <a:solidFill>
+                  <a:schemeClr val="tx1"/>
+                </a:solidFill>
+                <a:latin typeface="Times New Roman" pitchFamily="18" charset="0"/>
+              </a:defRPr>
+            </a:lvl2pPr>
+            <a:lvl3pPr marL="1143000" indent="-228600">
+              <a:defRPr sz="2400">
+                <a:solidFill>
+                  <a:schemeClr val="tx1"/>
+                </a:solidFill>
+                <a:latin typeface="Times New Roman" pitchFamily="18" charset="0"/>
+              </a:defRPr>
+            </a:lvl3pPr>
+            <a:lvl4pPr marL="1600200" indent="-228600">
+              <a:defRPr sz="2400">
+                <a:solidFill>
+                  <a:schemeClr val="tx1"/>
+                </a:solidFill>
+                <a:latin typeface="Times New Roman" pitchFamily="18" charset="0"/>
+              </a:defRPr>
+            </a:lvl4pPr>
+            <a:lvl5pPr marL="2057400" indent="-228600">
+              <a:defRPr sz="2400">
+                <a:solidFill>
+                  <a:schemeClr val="tx1"/>
+                </a:solidFill>
+                <a:latin typeface="Times New Roman" pitchFamily="18" charset="0"/>
+              </a:defRPr>
+            </a:lvl5pPr>
+            <a:lvl6pPr marL="2514600" indent="-228600" eaLnBrk="0" fontAlgn="base" hangingPunct="0">
+              <a:spcBef>
+                <a:spcPct val="0"/>
+              </a:spcBef>
+              <a:spcAft>
+                <a:spcPct val="0"/>
+              </a:spcAft>
+              <a:defRPr sz="2400">
+                <a:solidFill>
+                  <a:schemeClr val="tx1"/>
+                </a:solidFill>
+                <a:latin typeface="Times New Roman" pitchFamily="18" charset="0"/>
+              </a:defRPr>
+            </a:lvl6pPr>
+            <a:lvl7pPr marL="2971800" indent="-228600" eaLnBrk="0" fontAlgn="base" hangingPunct="0">
+              <a:spcBef>
+                <a:spcPct val="0"/>
+              </a:spcBef>
+              <a:spcAft>
+                <a:spcPct val="0"/>
+              </a:spcAft>
+              <a:defRPr sz="2400">
+                <a:solidFill>
+                  <a:schemeClr val="tx1"/>
+                </a:solidFill>
+                <a:latin typeface="Times New Roman" pitchFamily="18" charset="0"/>
+              </a:defRPr>
+            </a:lvl7pPr>
+            <a:lvl8pPr marL="3429000" indent="-228600" eaLnBrk="0" fontAlgn="base" hangingPunct="0">
+              <a:spcBef>
+                <a:spcPct val="0"/>
+              </a:spcBef>
+              <a:spcAft>
+                <a:spcPct val="0"/>
+              </a:spcAft>
+              <a:defRPr sz="2400">
+                <a:solidFill>
+                  <a:schemeClr val="tx1"/>
+                </a:solidFill>
+                <a:latin typeface="Times New Roman" pitchFamily="18" charset="0"/>
+              </a:defRPr>
+            </a:lvl8pPr>
+            <a:lvl9pPr marL="3886200" indent="-228600" eaLnBrk="0" fontAlgn="base" hangingPunct="0">
+              <a:spcBef>
+                <a:spcPct val="0"/>
+              </a:spcBef>
+              <a:spcAft>
+                <a:spcPct val="0"/>
+              </a:spcAft>
+              <a:defRPr sz="2400">
+                <a:solidFill>
+                  <a:schemeClr val="tx1"/>
+                </a:solidFill>
+                <a:latin typeface="Times New Roman" pitchFamily="18" charset="0"/>
+              </a:defRPr>
+            </a:lvl9pPr>
+          </a:lstStyle>
+          <a:p>
+            <a:pPr>
+              <a:lnSpc>
+                <a:spcPct val="150000"/>
+              </a:lnSpc>
+              <a:spcBef>
+                <a:spcPts val="600"/>
+              </a:spcBef>
+            </a:pPr>
+            <a:r>
+              <a:rPr lang="es-MX" sz="2000" dirty="0">
+                <a:latin typeface="+mn-lt"/>
+              </a:rPr>
+              <a:t>La capa de transporte es la responsable del </a:t>
+            </a:r>
+            <a:r>
+              <a:rPr lang="es-MX" sz="2000" b="1" dirty="0">
+                <a:solidFill>
+                  <a:schemeClr val="accent6">
+                    <a:lumMod val="75000"/>
+                  </a:schemeClr>
+                </a:solidFill>
+                <a:latin typeface="+mn-lt"/>
+              </a:rPr>
+              <a:t>control de flujo</a:t>
+            </a:r>
+            <a:r>
+              <a:rPr lang="es-MX" sz="2000" dirty="0">
+                <a:solidFill>
+                  <a:schemeClr val="accent6">
+                    <a:lumMod val="75000"/>
+                  </a:schemeClr>
+                </a:solidFill>
+                <a:latin typeface="+mn-lt"/>
+              </a:rPr>
+              <a:t> </a:t>
+            </a:r>
+            <a:r>
+              <a:rPr lang="es-MX" sz="2000" dirty="0">
+                <a:latin typeface="+mn-lt"/>
+              </a:rPr>
+              <a:t>y del </a:t>
+            </a:r>
+            <a:r>
+              <a:rPr lang="es-MX" sz="2000" b="1" dirty="0">
+                <a:solidFill>
+                  <a:schemeClr val="accent6">
+                    <a:lumMod val="75000"/>
+                  </a:schemeClr>
+                </a:solidFill>
+                <a:latin typeface="+mn-lt"/>
+              </a:rPr>
+              <a:t>control de errores</a:t>
+            </a:r>
+            <a:r>
+              <a:rPr lang="es-MX" sz="2000" dirty="0">
+                <a:latin typeface="+mn-lt"/>
+              </a:rPr>
+              <a:t>. </a:t>
+            </a:r>
+          </a:p>
+          <a:p>
+            <a:pPr marL="342900" indent="-342900" algn="just">
+              <a:lnSpc>
+                <a:spcPct val="150000"/>
+              </a:lnSpc>
+              <a:spcBef>
+                <a:spcPts val="600"/>
+              </a:spcBef>
+              <a:buFont typeface="Arial" panose="020B0604020202020204" pitchFamily="34" charset="0"/>
+              <a:buChar char="•"/>
+            </a:pPr>
+            <a:r>
+              <a:rPr lang="es-MX" sz="2000" dirty="0">
+                <a:latin typeface="+mn-lt"/>
+              </a:rPr>
+              <a:t>El </a:t>
+            </a:r>
+            <a:r>
+              <a:rPr lang="es-MX" sz="2000" b="1" dirty="0">
+                <a:solidFill>
+                  <a:schemeClr val="accent6">
+                    <a:lumMod val="75000"/>
+                  </a:schemeClr>
+                </a:solidFill>
+                <a:latin typeface="+mn-lt"/>
+              </a:rPr>
+              <a:t>control de flujo </a:t>
+            </a:r>
+            <a:r>
+              <a:rPr lang="es-MX" sz="2000" dirty="0">
+                <a:latin typeface="+mn-lt"/>
+              </a:rPr>
+              <a:t>sirve para determinar </a:t>
+            </a:r>
+            <a:r>
+              <a:rPr lang="es-MX" sz="2000" b="1" dirty="0">
+                <a:latin typeface="+mn-lt"/>
+              </a:rPr>
+              <a:t>la velocidad óptima de transmisión</a:t>
+            </a:r>
+            <a:r>
+              <a:rPr lang="es-MX" sz="2000" dirty="0">
+                <a:latin typeface="+mn-lt"/>
+              </a:rPr>
+              <a:t> que garantice que un emisor con velocidad de conexión alta no apabulle a un receptor cuya conexión sea lenta. </a:t>
+            </a:r>
+          </a:p>
+          <a:p>
+            <a:pPr marL="342900" indent="-342900" algn="just">
+              <a:lnSpc>
+                <a:spcPct val="150000"/>
+              </a:lnSpc>
+              <a:spcBef>
+                <a:spcPts val="600"/>
+              </a:spcBef>
+              <a:buFont typeface="Arial" panose="020B0604020202020204" pitchFamily="34" charset="0"/>
+              <a:buChar char="•"/>
+            </a:pPr>
+            <a:r>
+              <a:rPr lang="es-MX" sz="2000" dirty="0">
+                <a:latin typeface="+mn-lt"/>
+              </a:rPr>
+              <a:t>La capa de transporte realiza un </a:t>
+            </a:r>
+            <a:r>
+              <a:rPr lang="es-MX" sz="2000" b="1" dirty="0">
+                <a:solidFill>
+                  <a:schemeClr val="accent6">
+                    <a:lumMod val="75000"/>
+                  </a:schemeClr>
+                </a:solidFill>
+                <a:latin typeface="+mn-lt"/>
+              </a:rPr>
+              <a:t>control de errores</a:t>
+            </a:r>
+            <a:r>
+              <a:rPr lang="es-MX" sz="2000" dirty="0">
+                <a:latin typeface="+mn-lt"/>
+              </a:rPr>
+              <a:t> en el extremo receptor consistente en asegurarse de que todos los datos recibidos estén completos, y solicitará el reenvío en caso de que no.</a:t>
+            </a:r>
+          </a:p>
+        </p:txBody>
+      </p:sp>
+      <p:sp>
+        <p:nvSpPr>
+          <p:cNvPr id="7" name="Rectangle 2"/>
+          <p:cNvSpPr txBox="1">
+            <a:spLocks noChangeArrowheads="1"/>
+          </p:cNvSpPr>
+          <p:nvPr/>
+        </p:nvSpPr>
+        <p:spPr>
+          <a:xfrm>
+            <a:off x="72008" y="44624"/>
+            <a:ext cx="8964488" cy="1143000"/>
+          </a:xfrm>
+          <a:prstGeom prst="rect">
+            <a:avLst/>
+          </a:prstGeom>
+        </p:spPr>
+        <p:txBody>
+          <a:bodyPr vert="horz" lIns="92075" tIns="46038" rIns="92075" bIns="46038" rtlCol="0" anchor="ctr">
+            <a:noAutofit/>
+          </a:bodyPr>
+          <a:lstStyle>
+            <a:lvl1pPr algn="ctr" defTabSz="914400" rtl="0" eaLnBrk="1" latinLnBrk="0" hangingPunct="1">
+              <a:spcBef>
+                <a:spcPct val="0"/>
+              </a:spcBef>
+              <a:buNone/>
+              <a:defRPr sz="4400" kern="1200">
+                <a:solidFill>
+                  <a:schemeClr val="tx1"/>
+                </a:solidFill>
+                <a:latin typeface="+mj-lt"/>
+                <a:ea typeface="+mj-ea"/>
+                <a:cs typeface="+mj-cs"/>
+              </a:defRPr>
+            </a:lvl1pPr>
+          </a:lstStyle>
+          <a:p>
+            <a:pPr>
+              <a:defRPr/>
+            </a:pPr>
+            <a:r>
+              <a:rPr lang="es-ES_tradnl" sz="3600" dirty="0">
+                <a:solidFill>
+                  <a:srgbClr val="3333CC"/>
+                </a:solidFill>
+                <a:effectLst>
+                  <a:outerShdw blurRad="38100" dist="38100" dir="2700000" algn="tl">
+                    <a:srgbClr val="C0C0C0"/>
+                  </a:outerShdw>
+                </a:effectLst>
+                <a:latin typeface="Dom Casual" charset="0"/>
+              </a:rPr>
+              <a:t> </a:t>
+            </a:r>
+            <a:r>
+              <a:rPr lang="es-ES_tradnl" sz="3600" b="1" dirty="0">
+                <a:solidFill>
+                  <a:schemeClr val="accent4">
+                    <a:lumMod val="50000"/>
+                  </a:schemeClr>
+                </a:solidFill>
+                <a:effectLst>
+                  <a:outerShdw blurRad="38100" dist="38100" dir="2700000" algn="tl">
+                    <a:srgbClr val="C0C0C0"/>
+                  </a:outerShdw>
+                </a:effectLst>
+                <a:latin typeface="Dom Casual" charset="0"/>
+              </a:rPr>
+              <a:t>Capas del Modelo OSI</a:t>
+            </a:r>
+          </a:p>
+        </p:txBody>
+      </p:sp>
+      <p:sp>
+        <p:nvSpPr>
+          <p:cNvPr id="8" name="5 CuadroTexto"/>
+          <p:cNvSpPr txBox="1">
+            <a:spLocks noChangeArrowheads="1"/>
+          </p:cNvSpPr>
+          <p:nvPr/>
+        </p:nvSpPr>
+        <p:spPr bwMode="auto">
+          <a:xfrm>
+            <a:off x="2627784" y="1124744"/>
+            <a:ext cx="6072188" cy="451406"/>
+          </a:xfrm>
+          <a:prstGeom prst="rect">
+            <a:avLst/>
+          </a:prstGeom>
+          <a:noFill/>
+          <a:ln>
+            <a:noFill/>
+          </a:ln>
+          <a:extLst>
+            <a:ext uri="{909E8E84-426E-40DD-AFC4-6F175D3DCCD1}">
+              <a14:hiddenFill xmlns:a14="http://schemas.microsoft.com/office/drawing/2010/main">
+                <a:solidFill>
+                  <a:srgbClr val="FFFFFF"/>
+                </a:solidFill>
+              </a14:hiddenFill>
+            </a:ext>
+            <a:ext uri="{91240B29-F687-4F45-9708-019B960494DF}">
+              <a14:hiddenLine xmlns:a14="http://schemas.microsoft.com/office/drawing/2010/main" w="9525">
+                <a:solidFill>
+                  <a:srgbClr val="000000"/>
+                </a:solidFill>
+                <a:miter lim="800000"/>
+                <a:headEnd/>
+                <a:tailEnd/>
+              </a14:hiddenLine>
+            </a:ext>
+          </a:extLst>
+        </p:spPr>
+        <p:txBody>
+          <a:bodyPr>
+            <a:spAutoFit/>
+          </a:bodyPr>
+          <a:lstStyle>
+            <a:lvl1pPr>
+              <a:defRPr sz="2400">
+                <a:solidFill>
+                  <a:schemeClr val="tx1"/>
+                </a:solidFill>
+                <a:latin typeface="Times New Roman" pitchFamily="18" charset="0"/>
+              </a:defRPr>
+            </a:lvl1pPr>
+            <a:lvl2pPr marL="742950" indent="-285750">
+              <a:defRPr sz="2400">
+                <a:solidFill>
+                  <a:schemeClr val="tx1"/>
+                </a:solidFill>
+                <a:latin typeface="Times New Roman" pitchFamily="18" charset="0"/>
+              </a:defRPr>
+            </a:lvl2pPr>
+            <a:lvl3pPr marL="1143000" indent="-228600">
+              <a:defRPr sz="2400">
+                <a:solidFill>
+                  <a:schemeClr val="tx1"/>
+                </a:solidFill>
+                <a:latin typeface="Times New Roman" pitchFamily="18" charset="0"/>
+              </a:defRPr>
+            </a:lvl3pPr>
+            <a:lvl4pPr marL="1600200" indent="-228600">
+              <a:defRPr sz="2400">
+                <a:solidFill>
+                  <a:schemeClr val="tx1"/>
+                </a:solidFill>
+                <a:latin typeface="Times New Roman" pitchFamily="18" charset="0"/>
+              </a:defRPr>
+            </a:lvl4pPr>
+            <a:lvl5pPr marL="2057400" indent="-228600">
+              <a:defRPr sz="2400">
+                <a:solidFill>
+                  <a:schemeClr val="tx1"/>
+                </a:solidFill>
+                <a:latin typeface="Times New Roman" pitchFamily="18" charset="0"/>
+              </a:defRPr>
+            </a:lvl5pPr>
+            <a:lvl6pPr marL="2514600" indent="-228600" eaLnBrk="0" fontAlgn="base" hangingPunct="0">
+              <a:spcBef>
+                <a:spcPct val="0"/>
+              </a:spcBef>
+              <a:spcAft>
+                <a:spcPct val="0"/>
+              </a:spcAft>
+              <a:defRPr sz="2400">
+                <a:solidFill>
+                  <a:schemeClr val="tx1"/>
+                </a:solidFill>
+                <a:latin typeface="Times New Roman" pitchFamily="18" charset="0"/>
+              </a:defRPr>
+            </a:lvl6pPr>
+            <a:lvl7pPr marL="2971800" indent="-228600" eaLnBrk="0" fontAlgn="base" hangingPunct="0">
+              <a:spcBef>
+                <a:spcPct val="0"/>
+              </a:spcBef>
+              <a:spcAft>
+                <a:spcPct val="0"/>
+              </a:spcAft>
+              <a:defRPr sz="2400">
+                <a:solidFill>
+                  <a:schemeClr val="tx1"/>
+                </a:solidFill>
+                <a:latin typeface="Times New Roman" pitchFamily="18" charset="0"/>
+              </a:defRPr>
+            </a:lvl7pPr>
+            <a:lvl8pPr marL="3429000" indent="-228600" eaLnBrk="0" fontAlgn="base" hangingPunct="0">
+              <a:spcBef>
+                <a:spcPct val="0"/>
+              </a:spcBef>
+              <a:spcAft>
+                <a:spcPct val="0"/>
+              </a:spcAft>
+              <a:defRPr sz="2400">
+                <a:solidFill>
+                  <a:schemeClr val="tx1"/>
+                </a:solidFill>
+                <a:latin typeface="Times New Roman" pitchFamily="18" charset="0"/>
+              </a:defRPr>
+            </a:lvl8pPr>
+            <a:lvl9pPr marL="3886200" indent="-228600" eaLnBrk="0" fontAlgn="base" hangingPunct="0">
+              <a:spcBef>
+                <a:spcPct val="0"/>
+              </a:spcBef>
+              <a:spcAft>
+                <a:spcPct val="0"/>
+              </a:spcAft>
+              <a:defRPr sz="2400">
+                <a:solidFill>
+                  <a:schemeClr val="tx1"/>
+                </a:solidFill>
+                <a:latin typeface="Times New Roman" pitchFamily="18" charset="0"/>
+              </a:defRPr>
+            </a:lvl9pPr>
+          </a:lstStyle>
+          <a:p>
+            <a:pPr>
+              <a:lnSpc>
+                <a:spcPts val="2800"/>
+              </a:lnSpc>
+            </a:pPr>
+            <a:r>
+              <a:rPr lang="es-MX" b="1" dirty="0">
+                <a:solidFill>
+                  <a:schemeClr val="accent5">
+                    <a:lumMod val="75000"/>
+                  </a:schemeClr>
+                </a:solidFill>
+                <a:latin typeface="+mn-lt"/>
+              </a:rPr>
+              <a:t>Transporte</a:t>
+            </a:r>
+            <a:endParaRPr lang="es-MX" dirty="0">
+              <a:solidFill>
+                <a:schemeClr val="accent5">
+                  <a:lumMod val="75000"/>
+                </a:schemeClr>
+              </a:solidFill>
+              <a:latin typeface="+mn-lt"/>
+            </a:endParaRPr>
+          </a:p>
+        </p:txBody>
+      </p:sp>
+      <p:pic>
+        <p:nvPicPr>
+          <p:cNvPr id="2" name="Imagen 1"/>
+          <p:cNvPicPr>
+            <a:picLocks noChangeAspect="1"/>
+          </p:cNvPicPr>
+          <p:nvPr/>
+        </p:nvPicPr>
+        <p:blipFill>
+          <a:blip r:embed="rId3"/>
+          <a:stretch>
+            <a:fillRect/>
+          </a:stretch>
+        </p:blipFill>
+        <p:spPr>
+          <a:xfrm>
+            <a:off x="203841" y="1792174"/>
+            <a:ext cx="2207919" cy="3581042"/>
+          </a:xfrm>
+          <a:prstGeom prst="rect">
+            <a:avLst/>
+          </a:prstGeom>
+        </p:spPr>
+      </p:pic>
+    </p:spTree>
+    <p:extLst>
+      <p:ext uri="{BB962C8B-B14F-4D97-AF65-F5344CB8AC3E}">
+        <p14:creationId xmlns:p14="http://schemas.microsoft.com/office/powerpoint/2010/main" val="2394525944"/>
+      </p:ext>
+    </p:extLst>
+  </p:cSld>
+  <p:clrMapOvr>
+    <a:masterClrMapping/>
+  </p:clrMapOvr>
+  <p:transition spd="slow"/>
+  <p:timing>
+    <p:tnLst>
+      <p:par>
+        <p:cTn id="1" dur="indefinite" restart="never" nodeType="tmRoot">
+          <p:childTnLst>
+            <p:seq concurrent="1" nextAc="seek">
+              <p:cTn id="2" dur="indefinite" nodeType="mainSeq">
+                <p:childTnLst>
+                  <p:par>
+                    <p:cTn id="3" fill="hold" nodeType="clickPar">
+                      <p:stCondLst>
+                        <p:cond delay="indefinite"/>
+                      </p:stCondLst>
+                      <p:childTnLst>
+                        <p:par>
+                          <p:cTn id="4" fill="hold" nodeType="withGroup">
+                            <p:stCondLst>
+                              <p:cond delay="0"/>
+                            </p:stCondLst>
+                            <p:childTnLst>
+                              <p:par>
+                                <p:cTn id="5" presetID="4" presetClass="entr" presetSubtype="16" fill="hold" grpId="0" nodeType="clickEffect">
+                                  <p:stCondLst>
+                                    <p:cond delay="0"/>
+                                  </p:stCondLst>
+                                  <p:childTnLst>
+                                    <p:set>
+                                      <p:cBhvr>
+                                        <p:cTn id="6" dur="1" fill="hold">
+                                          <p:stCondLst>
+                                            <p:cond delay="0"/>
+                                          </p:stCondLst>
+                                        </p:cTn>
+                                        <p:tgtEl>
+                                          <p:spTgt spid="8"/>
+                                        </p:tgtEl>
+                                        <p:attrNameLst>
+                                          <p:attrName>style.visibility</p:attrName>
+                                        </p:attrNameLst>
+                                      </p:cBhvr>
+                                      <p:to>
+                                        <p:strVal val="visible"/>
+                                      </p:to>
+                                    </p:set>
+                                    <p:animEffect transition="in" filter="box(in)">
+                                      <p:cBhvr>
+                                        <p:cTn id="7" dur="2000"/>
+                                        <p:tgtEl>
+                                          <p:spTgt spid="8"/>
+                                        </p:tgtEl>
+                                      </p:cBhvr>
+                                    </p:animEffect>
+                                  </p:childTnLst>
+                                </p:cTn>
+                              </p:par>
+                            </p:childTnLst>
+                          </p:cTn>
+                        </p:par>
+                      </p:childTnLst>
+                    </p:cTn>
+                  </p:par>
+                  <p:par>
+                    <p:cTn id="8" fill="hold">
+                      <p:stCondLst>
+                        <p:cond delay="indefinite"/>
+                      </p:stCondLst>
+                      <p:childTnLst>
+                        <p:par>
+                          <p:cTn id="9" fill="hold">
+                            <p:stCondLst>
+                              <p:cond delay="0"/>
+                            </p:stCondLst>
+                            <p:childTnLst>
+                              <p:par>
+                                <p:cTn id="10" presetID="4" presetClass="entr" presetSubtype="16" fill="hold" grpId="0" nodeType="clickEffect">
+                                  <p:stCondLst>
+                                    <p:cond delay="0"/>
+                                  </p:stCondLst>
+                                  <p:childTnLst>
+                                    <p:set>
+                                      <p:cBhvr>
+                                        <p:cTn id="11" dur="1" fill="hold">
+                                          <p:stCondLst>
+                                            <p:cond delay="0"/>
+                                          </p:stCondLst>
+                                        </p:cTn>
+                                        <p:tgtEl>
+                                          <p:spTgt spid="6"/>
+                                        </p:tgtEl>
+                                        <p:attrNameLst>
+                                          <p:attrName>style.visibility</p:attrName>
+                                        </p:attrNameLst>
+                                      </p:cBhvr>
+                                      <p:to>
+                                        <p:strVal val="visible"/>
+                                      </p:to>
+                                    </p:set>
+                                    <p:animEffect transition="in" filter="box(in)">
+                                      <p:cBhvr>
+                                        <p:cTn id="12" dur="2000"/>
+                                        <p:tgtEl>
+                                          <p:spTgt spid="6"/>
+                                        </p:tgtEl>
+                                      </p:cBhvr>
+                                    </p:animEffect>
+                                  </p:childTnLst>
+                                </p:cTn>
+                              </p:par>
+                            </p:childTnLst>
+                          </p:cTn>
+                        </p:par>
+                      </p:childTnLst>
+                    </p:cTn>
+                  </p:par>
+                </p:childTnLst>
+              </p:cTn>
+              <p:prevCondLst>
+                <p:cond evt="onPrev" delay="0">
+                  <p:tgtEl>
+                    <p:sldTgt/>
+                  </p:tgtEl>
+                </p:cond>
+              </p:prevCondLst>
+              <p:nextCondLst>
+                <p:cond evt="onNext" delay="0">
+                  <p:tgtEl>
+                    <p:sldTgt/>
+                  </p:tgtEl>
+                </p:cond>
+              </p:nextCondLst>
+            </p:seq>
+          </p:childTnLst>
+        </p:cTn>
+      </p:par>
+    </p:tnLst>
+    <p:bldLst>
+      <p:bldP spid="6" grpId="0"/>
+      <p:bldP spid="8" grpId="0"/>
+    </p:bldLst>
+  </p:timing>
+</p:sld>
+</file>
+
+<file path=ppt/slides/slide21.xml><?xml version="1.0" encoding="utf-8"?>
 <p:sld xmlns:a="http://schemas.openxmlformats.org/drawingml/2006/main" xmlns:r="http://schemas.openxmlformats.org/officeDocument/2006/relationships" xmlns:p="http://schemas.openxmlformats.org/presentationml/2006/main">
   <p:cSld>
     <p:spTree>
@@ -15790,7 +16745,7 @@
 </p:sld>
 </file>
 
-<file path=ppt/slides/slide21.xml><?xml version="1.0" encoding="utf-8"?>
+<file path=ppt/slides/slide22.xml><?xml version="1.0" encoding="utf-8"?>
 <p:sld xmlns:a="http://schemas.openxmlformats.org/drawingml/2006/main" xmlns:r="http://schemas.openxmlformats.org/officeDocument/2006/relationships" xmlns:p="http://schemas.openxmlformats.org/presentationml/2006/main">
   <p:cSld>
     <p:spTree>
@@ -16404,7 +17359,7 @@
 </p:sld>
 </file>
 
-<file path=ppt/slides/slide22.xml><?xml version="1.0" encoding="utf-8"?>
+<file path=ppt/slides/slide23.xml><?xml version="1.0" encoding="utf-8"?>
 <p:sld xmlns:a="http://schemas.openxmlformats.org/drawingml/2006/main" xmlns:r="http://schemas.openxmlformats.org/officeDocument/2006/relationships" xmlns:p="http://schemas.openxmlformats.org/presentationml/2006/main">
   <p:cSld>
     <p:spTree>
@@ -17411,7 +18366,7 @@
 </p:sld>
 </file>
 
-<file path=ppt/slides/slide23.xml><?xml version="1.0" encoding="utf-8"?>
+<file path=ppt/slides/slide24.xml><?xml version="1.0" encoding="utf-8"?>
 <p:sld xmlns:a="http://schemas.openxmlformats.org/drawingml/2006/main" xmlns:r="http://schemas.openxmlformats.org/officeDocument/2006/relationships" xmlns:p="http://schemas.openxmlformats.org/presentationml/2006/main">
   <p:cSld>
     <p:spTree>
@@ -18084,7 +19039,7 @@
 </p:sld>
 </file>
 
-<file path=ppt/slides/slide24.xml><?xml version="1.0" encoding="utf-8"?>
+<file path=ppt/slides/slide25.xml><?xml version="1.0" encoding="utf-8"?>
 <p:sld xmlns:a="http://schemas.openxmlformats.org/drawingml/2006/main" xmlns:r="http://schemas.openxmlformats.org/officeDocument/2006/relationships" xmlns:p="http://schemas.openxmlformats.org/presentationml/2006/main">
   <p:cSld>
     <p:spTree>
@@ -18700,7 +19655,7 @@
           <a:graphicData uri="http://schemas.openxmlformats.org/presentationml/2006/ole">
             <mc:AlternateContent xmlns:mc="http://schemas.openxmlformats.org/markup-compatibility/2006">
               <mc:Choice xmlns:v="urn:schemas-microsoft-com:vml" Requires="v">
-                <p:oleObj spid="_x0000_s23573" name="Imagen" r:id="rId5" imgW="1077063" imgH="924514" progId="Word.Picture.8">
+                <p:oleObj spid="_x0000_s23575" name="Imagen" r:id="rId5" imgW="1077063" imgH="924514" progId="Word.Picture.8">
                   <p:embed/>
                 </p:oleObj>
               </mc:Choice>
@@ -18955,7 +19910,7 @@
 </p:sld>
 </file>
 
-<file path=ppt/slides/slide25.xml><?xml version="1.0" encoding="utf-8"?>
+<file path=ppt/slides/slide26.xml><?xml version="1.0" encoding="utf-8"?>
 <p:sld xmlns:a="http://schemas.openxmlformats.org/drawingml/2006/main" xmlns:r="http://schemas.openxmlformats.org/officeDocument/2006/relationships" xmlns:p="http://schemas.openxmlformats.org/presentationml/2006/main">
   <p:cSld>
     <p:spTree>
@@ -19797,7 +20752,7 @@
 </p:sld>
 </file>
 
-<file path=ppt/slides/slide26.xml><?xml version="1.0" encoding="utf-8"?>
+<file path=ppt/slides/slide27.xml><?xml version="1.0" encoding="utf-8"?>
 <p:sld xmlns:a="http://schemas.openxmlformats.org/drawingml/2006/main" xmlns:r="http://schemas.openxmlformats.org/officeDocument/2006/relationships" xmlns:p="http://schemas.openxmlformats.org/presentationml/2006/main">
   <p:cSld>
     <p:spTree>
@@ -21374,7 +22329,7 @@
 </p:sld>
 </file>
 
-<file path=ppt/slides/slide27.xml><?xml version="1.0" encoding="utf-8"?>
+<file path=ppt/slides/slide28.xml><?xml version="1.0" encoding="utf-8"?>
 <p:sld xmlns:a="http://schemas.openxmlformats.org/drawingml/2006/main" xmlns:r="http://schemas.openxmlformats.org/officeDocument/2006/relationships" xmlns:p="http://schemas.openxmlformats.org/presentationml/2006/main">
   <p:cSld>
     <p:spTree>
@@ -22298,7 +23253,7 @@
 </p:sld>
 </file>
 
-<file path=ppt/slides/slide28.xml><?xml version="1.0" encoding="utf-8"?>
+<file path=ppt/slides/slide29.xml><?xml version="1.0" encoding="utf-8"?>
 <p:sld xmlns:a="http://schemas.openxmlformats.org/drawingml/2006/main" xmlns:r="http://schemas.openxmlformats.org/officeDocument/2006/relationships" xmlns:p="http://schemas.openxmlformats.org/presentationml/2006/main">
   <p:cSld>
     <p:spTree>
@@ -23091,7 +24046,1060 @@
 </p:sld>
 </file>
 
-<file path=ppt/slides/slide29.xml><?xml version="1.0" encoding="utf-8"?>
+<file path=ppt/slides/slide3.xml><?xml version="1.0" encoding="utf-8"?>
+<p:sld xmlns:a="http://schemas.openxmlformats.org/drawingml/2006/main" xmlns:r="http://schemas.openxmlformats.org/officeDocument/2006/relationships" xmlns:p="http://schemas.openxmlformats.org/presentationml/2006/main">
+  <p:cSld>
+    <p:spTree>
+      <p:nvGrpSpPr>
+        <p:cNvPr id="1" name=""/>
+        <p:cNvGrpSpPr/>
+        <p:nvPr/>
+      </p:nvGrpSpPr>
+      <p:grpSpPr>
+        <a:xfrm>
+          <a:off x="0" y="0"/>
+          <a:ext cx="0" cy="0"/>
+          <a:chOff x="0" y="0"/>
+          <a:chExt cx="0" cy="0"/>
+        </a:xfrm>
+      </p:grpSpPr>
+      <p:graphicFrame>
+        <p:nvGraphicFramePr>
+          <p:cNvPr id="4099" name="Object 3"/>
+          <p:cNvGraphicFramePr>
+            <a:graphicFrameLocks noChangeAspect="1"/>
+          </p:cNvGraphicFramePr>
+          <p:nvPr>
+            <p:extLst>
+              <p:ext uri="{D42A27DB-BD31-4B8C-83A1-F6EECF244321}">
+                <p14:modId xmlns:p14="http://schemas.microsoft.com/office/powerpoint/2010/main" val="3912553987"/>
+              </p:ext>
+            </p:extLst>
+          </p:nvPr>
+        </p:nvGraphicFramePr>
+        <p:xfrm>
+          <a:off x="6804248" y="2282488"/>
+          <a:ext cx="1952625" cy="3594784"/>
+        </p:xfrm>
+        <a:graphic>
+          <a:graphicData uri="http://schemas.openxmlformats.org/presentationml/2006/ole">
+            <mc:AlternateContent xmlns:mc="http://schemas.openxmlformats.org/markup-compatibility/2006">
+              <mc:Choice xmlns:v="urn:schemas-microsoft-com:vml" Requires="v">
+                <p:oleObj spid="_x0000_s6229" name="Bitmap Image" r:id="rId3" imgW="1685950" imgH="2590983" progId="Paint.Picture">
+                  <p:embed/>
+                </p:oleObj>
+              </mc:Choice>
+              <mc:Fallback>
+                <p:oleObj name="Bitmap Image" r:id="rId3" imgW="1685950" imgH="2590983" progId="Paint.Picture">
+                  <p:embed/>
+                  <p:pic>
+                    <p:nvPicPr>
+                      <p:cNvPr id="0" name=""/>
+                      <p:cNvPicPr>
+                        <a:picLocks noChangeAspect="1" noChangeArrowheads="1"/>
+                      </p:cNvPicPr>
+                      <p:nvPr/>
+                    </p:nvPicPr>
+                    <p:blipFill>
+                      <a:blip r:embed="rId4">
+                        <a:extLst>
+                          <a:ext uri="{28A0092B-C50C-407E-A947-70E740481C1C}">
+                            <a14:useLocalDpi xmlns:a14="http://schemas.microsoft.com/office/drawing/2010/main" val="0"/>
+                          </a:ext>
+                        </a:extLst>
+                      </a:blip>
+                      <a:srcRect/>
+                      <a:stretch>
+                        <a:fillRect/>
+                      </a:stretch>
+                    </p:blipFill>
+                    <p:spPr bwMode="auto">
+                      <a:xfrm>
+                        <a:off x="6804248" y="2282488"/>
+                        <a:ext cx="1952625" cy="3594784"/>
+                      </a:xfrm>
+                      <a:prstGeom prst="rect">
+                        <a:avLst/>
+                      </a:prstGeom>
+                      <a:noFill/>
+                      <a:ln>
+                        <a:noFill/>
+                      </a:ln>
+                      <a:effectLst/>
+                    </p:spPr>
+                  </p:pic>
+                </p:oleObj>
+              </mc:Fallback>
+            </mc:AlternateContent>
+          </a:graphicData>
+        </a:graphic>
+      </p:graphicFrame>
+      <p:sp>
+        <p:nvSpPr>
+          <p:cNvPr id="3076" name="Text Box 4"/>
+          <p:cNvSpPr txBox="1">
+            <a:spLocks noChangeArrowheads="1"/>
+          </p:cNvSpPr>
+          <p:nvPr/>
+        </p:nvSpPr>
+        <p:spPr bwMode="auto">
+          <a:xfrm>
+            <a:off x="714375" y="2071688"/>
+            <a:ext cx="5357813" cy="1938992"/>
+          </a:xfrm>
+          <a:prstGeom prst="rect">
+            <a:avLst/>
+          </a:prstGeom>
+          <a:noFill/>
+          <a:ln>
+            <a:noFill/>
+          </a:ln>
+          <a:extLst>
+            <a:ext uri="{909E8E84-426E-40DD-AFC4-6F175D3DCCD1}">
+              <a14:hiddenFill xmlns:a14="http://schemas.microsoft.com/office/drawing/2010/main">
+                <a:solidFill>
+                  <a:srgbClr val="FFFFFF"/>
+                </a:solidFill>
+              </a14:hiddenFill>
+            </a:ext>
+            <a:ext uri="{91240B29-F687-4F45-9708-019B960494DF}">
+              <a14:hiddenLine xmlns:a14="http://schemas.microsoft.com/office/drawing/2010/main" w="9525">
+                <a:solidFill>
+                  <a:srgbClr val="000000"/>
+                </a:solidFill>
+                <a:miter lim="800000"/>
+                <a:headEnd/>
+                <a:tailEnd/>
+              </a14:hiddenLine>
+            </a:ext>
+          </a:extLst>
+        </p:spPr>
+        <p:txBody>
+          <a:bodyPr>
+            <a:spAutoFit/>
+          </a:bodyPr>
+          <a:lstStyle>
+            <a:lvl1pPr>
+              <a:defRPr sz="2400">
+                <a:solidFill>
+                  <a:schemeClr val="tx1"/>
+                </a:solidFill>
+                <a:latin typeface="Times New Roman" pitchFamily="18" charset="0"/>
+              </a:defRPr>
+            </a:lvl1pPr>
+            <a:lvl2pPr marL="742950" indent="-285750">
+              <a:defRPr sz="2400">
+                <a:solidFill>
+                  <a:schemeClr val="tx1"/>
+                </a:solidFill>
+                <a:latin typeface="Times New Roman" pitchFamily="18" charset="0"/>
+              </a:defRPr>
+            </a:lvl2pPr>
+            <a:lvl3pPr marL="1143000" indent="-228600">
+              <a:defRPr sz="2400">
+                <a:solidFill>
+                  <a:schemeClr val="tx1"/>
+                </a:solidFill>
+                <a:latin typeface="Times New Roman" pitchFamily="18" charset="0"/>
+              </a:defRPr>
+            </a:lvl3pPr>
+            <a:lvl4pPr marL="1600200" indent="-228600">
+              <a:defRPr sz="2400">
+                <a:solidFill>
+                  <a:schemeClr val="tx1"/>
+                </a:solidFill>
+                <a:latin typeface="Times New Roman" pitchFamily="18" charset="0"/>
+              </a:defRPr>
+            </a:lvl4pPr>
+            <a:lvl5pPr marL="2057400" indent="-228600">
+              <a:defRPr sz="2400">
+                <a:solidFill>
+                  <a:schemeClr val="tx1"/>
+                </a:solidFill>
+                <a:latin typeface="Times New Roman" pitchFamily="18" charset="0"/>
+              </a:defRPr>
+            </a:lvl5pPr>
+            <a:lvl6pPr marL="2514600" indent="-228600" eaLnBrk="0" fontAlgn="base" hangingPunct="0">
+              <a:spcBef>
+                <a:spcPct val="0"/>
+              </a:spcBef>
+              <a:spcAft>
+                <a:spcPct val="0"/>
+              </a:spcAft>
+              <a:defRPr sz="2400">
+                <a:solidFill>
+                  <a:schemeClr val="tx1"/>
+                </a:solidFill>
+                <a:latin typeface="Times New Roman" pitchFamily="18" charset="0"/>
+              </a:defRPr>
+            </a:lvl6pPr>
+            <a:lvl7pPr marL="2971800" indent="-228600" eaLnBrk="0" fontAlgn="base" hangingPunct="0">
+              <a:spcBef>
+                <a:spcPct val="0"/>
+              </a:spcBef>
+              <a:spcAft>
+                <a:spcPct val="0"/>
+              </a:spcAft>
+              <a:defRPr sz="2400">
+                <a:solidFill>
+                  <a:schemeClr val="tx1"/>
+                </a:solidFill>
+                <a:latin typeface="Times New Roman" pitchFamily="18" charset="0"/>
+              </a:defRPr>
+            </a:lvl7pPr>
+            <a:lvl8pPr marL="3429000" indent="-228600" eaLnBrk="0" fontAlgn="base" hangingPunct="0">
+              <a:spcBef>
+                <a:spcPct val="0"/>
+              </a:spcBef>
+              <a:spcAft>
+                <a:spcPct val="0"/>
+              </a:spcAft>
+              <a:defRPr sz="2400">
+                <a:solidFill>
+                  <a:schemeClr val="tx1"/>
+                </a:solidFill>
+                <a:latin typeface="Times New Roman" pitchFamily="18" charset="0"/>
+              </a:defRPr>
+            </a:lvl8pPr>
+            <a:lvl9pPr marL="3886200" indent="-228600" eaLnBrk="0" fontAlgn="base" hangingPunct="0">
+              <a:spcBef>
+                <a:spcPct val="0"/>
+              </a:spcBef>
+              <a:spcAft>
+                <a:spcPct val="0"/>
+              </a:spcAft>
+              <a:defRPr sz="2400">
+                <a:solidFill>
+                  <a:schemeClr val="tx1"/>
+                </a:solidFill>
+                <a:latin typeface="Times New Roman" pitchFamily="18" charset="0"/>
+              </a:defRPr>
+            </a:lvl9pPr>
+          </a:lstStyle>
+          <a:p>
+            <a:pPr algn="just">
+              <a:lnSpc>
+                <a:spcPct val="150000"/>
+              </a:lnSpc>
+              <a:spcBef>
+                <a:spcPct val="50000"/>
+              </a:spcBef>
+            </a:pPr>
+            <a:r>
+              <a:rPr lang="es-MX" sz="2000" dirty="0">
+                <a:solidFill>
+                  <a:schemeClr val="bg2">
+                    <a:lumMod val="25000"/>
+                  </a:schemeClr>
+                </a:solidFill>
+                <a:latin typeface="+mn-lt"/>
+                <a:cs typeface="Arial" pitchFamily="34" charset="0"/>
+              </a:rPr>
+              <a:t>El modelo </a:t>
+            </a:r>
+            <a:r>
+              <a:rPr lang="es-MX" sz="2000" b="1" dirty="0">
+                <a:solidFill>
+                  <a:schemeClr val="accent6">
+                    <a:lumMod val="75000"/>
+                  </a:schemeClr>
+                </a:solidFill>
+                <a:latin typeface="+mn-lt"/>
+                <a:cs typeface="Arial" pitchFamily="34" charset="0"/>
+              </a:rPr>
+              <a:t>OSI</a:t>
+            </a:r>
+            <a:r>
+              <a:rPr lang="es-MX" sz="2000" dirty="0">
+                <a:solidFill>
+                  <a:schemeClr val="bg2">
+                    <a:lumMod val="25000"/>
+                  </a:schemeClr>
+                </a:solidFill>
+                <a:latin typeface="+mn-lt"/>
+                <a:cs typeface="Arial" pitchFamily="34" charset="0"/>
+              </a:rPr>
+              <a:t>, surge como una respuesta a la necesidad de </a:t>
+            </a:r>
+            <a:r>
+              <a:rPr lang="es-MX" sz="2000" u="sng" dirty="0">
+                <a:solidFill>
+                  <a:schemeClr val="bg2">
+                    <a:lumMod val="25000"/>
+                  </a:schemeClr>
+                </a:solidFill>
+                <a:latin typeface="+mn-lt"/>
+                <a:cs typeface="Arial" pitchFamily="34" charset="0"/>
+              </a:rPr>
+              <a:t>interconexión de equipos de informática de diferentes fabricantes</a:t>
+            </a:r>
+            <a:r>
+              <a:rPr lang="es-MX" sz="2000" dirty="0">
+                <a:solidFill>
+                  <a:schemeClr val="bg2">
+                    <a:lumMod val="25000"/>
+                  </a:schemeClr>
+                </a:solidFill>
+                <a:latin typeface="+mn-lt"/>
+                <a:cs typeface="Arial" pitchFamily="34" charset="0"/>
+              </a:rPr>
+              <a:t> para comunicarse entre sí con éxito en una red.  </a:t>
+            </a:r>
+          </a:p>
+        </p:txBody>
+      </p:sp>
+      <p:sp>
+        <p:nvSpPr>
+          <p:cNvPr id="4101" name="8 CuadroTexto"/>
+          <p:cNvSpPr txBox="1">
+            <a:spLocks noChangeArrowheads="1"/>
+          </p:cNvSpPr>
+          <p:nvPr/>
+        </p:nvSpPr>
+        <p:spPr bwMode="auto">
+          <a:xfrm>
+            <a:off x="714375" y="1428750"/>
+            <a:ext cx="5786438" cy="461963"/>
+          </a:xfrm>
+          <a:prstGeom prst="rect">
+            <a:avLst/>
+          </a:prstGeom>
+          <a:noFill/>
+          <a:ln>
+            <a:noFill/>
+          </a:ln>
+          <a:extLst>
+            <a:ext uri="{909E8E84-426E-40DD-AFC4-6F175D3DCCD1}">
+              <a14:hiddenFill xmlns:a14="http://schemas.microsoft.com/office/drawing/2010/main">
+                <a:solidFill>
+                  <a:srgbClr val="FFFFFF"/>
+                </a:solidFill>
+              </a14:hiddenFill>
+            </a:ext>
+            <a:ext uri="{91240B29-F687-4F45-9708-019B960494DF}">
+              <a14:hiddenLine xmlns:a14="http://schemas.microsoft.com/office/drawing/2010/main" w="9525">
+                <a:solidFill>
+                  <a:srgbClr val="000000"/>
+                </a:solidFill>
+                <a:miter lim="800000"/>
+                <a:headEnd/>
+                <a:tailEnd/>
+              </a14:hiddenLine>
+            </a:ext>
+          </a:extLst>
+        </p:spPr>
+        <p:txBody>
+          <a:bodyPr>
+            <a:spAutoFit/>
+          </a:bodyPr>
+          <a:lstStyle>
+            <a:lvl1pPr>
+              <a:defRPr sz="2400">
+                <a:solidFill>
+                  <a:schemeClr val="tx1"/>
+                </a:solidFill>
+                <a:latin typeface="Times New Roman" pitchFamily="18" charset="0"/>
+              </a:defRPr>
+            </a:lvl1pPr>
+            <a:lvl2pPr marL="742950" indent="-285750">
+              <a:defRPr sz="2400">
+                <a:solidFill>
+                  <a:schemeClr val="tx1"/>
+                </a:solidFill>
+                <a:latin typeface="Times New Roman" pitchFamily="18" charset="0"/>
+              </a:defRPr>
+            </a:lvl2pPr>
+            <a:lvl3pPr marL="1143000" indent="-228600">
+              <a:defRPr sz="2400">
+                <a:solidFill>
+                  <a:schemeClr val="tx1"/>
+                </a:solidFill>
+                <a:latin typeface="Times New Roman" pitchFamily="18" charset="0"/>
+              </a:defRPr>
+            </a:lvl3pPr>
+            <a:lvl4pPr marL="1600200" indent="-228600">
+              <a:defRPr sz="2400">
+                <a:solidFill>
+                  <a:schemeClr val="tx1"/>
+                </a:solidFill>
+                <a:latin typeface="Times New Roman" pitchFamily="18" charset="0"/>
+              </a:defRPr>
+            </a:lvl4pPr>
+            <a:lvl5pPr marL="2057400" indent="-228600">
+              <a:defRPr sz="2400">
+                <a:solidFill>
+                  <a:schemeClr val="tx1"/>
+                </a:solidFill>
+                <a:latin typeface="Times New Roman" pitchFamily="18" charset="0"/>
+              </a:defRPr>
+            </a:lvl5pPr>
+            <a:lvl6pPr marL="2514600" indent="-228600" eaLnBrk="0" fontAlgn="base" hangingPunct="0">
+              <a:spcBef>
+                <a:spcPct val="0"/>
+              </a:spcBef>
+              <a:spcAft>
+                <a:spcPct val="0"/>
+              </a:spcAft>
+              <a:defRPr sz="2400">
+                <a:solidFill>
+                  <a:schemeClr val="tx1"/>
+                </a:solidFill>
+                <a:latin typeface="Times New Roman" pitchFamily="18" charset="0"/>
+              </a:defRPr>
+            </a:lvl6pPr>
+            <a:lvl7pPr marL="2971800" indent="-228600" eaLnBrk="0" fontAlgn="base" hangingPunct="0">
+              <a:spcBef>
+                <a:spcPct val="0"/>
+              </a:spcBef>
+              <a:spcAft>
+                <a:spcPct val="0"/>
+              </a:spcAft>
+              <a:defRPr sz="2400">
+                <a:solidFill>
+                  <a:schemeClr val="tx1"/>
+                </a:solidFill>
+                <a:latin typeface="Times New Roman" pitchFamily="18" charset="0"/>
+              </a:defRPr>
+            </a:lvl7pPr>
+            <a:lvl8pPr marL="3429000" indent="-228600" eaLnBrk="0" fontAlgn="base" hangingPunct="0">
+              <a:spcBef>
+                <a:spcPct val="0"/>
+              </a:spcBef>
+              <a:spcAft>
+                <a:spcPct val="0"/>
+              </a:spcAft>
+              <a:defRPr sz="2400">
+                <a:solidFill>
+                  <a:schemeClr val="tx1"/>
+                </a:solidFill>
+                <a:latin typeface="Times New Roman" pitchFamily="18" charset="0"/>
+              </a:defRPr>
+            </a:lvl8pPr>
+            <a:lvl9pPr marL="3886200" indent="-228600" eaLnBrk="0" fontAlgn="base" hangingPunct="0">
+              <a:spcBef>
+                <a:spcPct val="0"/>
+              </a:spcBef>
+              <a:spcAft>
+                <a:spcPct val="0"/>
+              </a:spcAft>
+              <a:defRPr sz="2400">
+                <a:solidFill>
+                  <a:schemeClr val="tx1"/>
+                </a:solidFill>
+                <a:latin typeface="Times New Roman" pitchFamily="18" charset="0"/>
+              </a:defRPr>
+            </a:lvl9pPr>
+          </a:lstStyle>
+          <a:p>
+            <a:r>
+              <a:rPr lang="es-MX" b="1" dirty="0">
+                <a:solidFill>
+                  <a:schemeClr val="accent5">
+                    <a:lumMod val="75000"/>
+                  </a:schemeClr>
+                </a:solidFill>
+                <a:latin typeface="ZapfHumnst BT"/>
+                <a:cs typeface="Arial" pitchFamily="34" charset="0"/>
+              </a:rPr>
+              <a:t>Open </a:t>
+            </a:r>
+            <a:r>
+              <a:rPr lang="es-MX" b="1" dirty="0" err="1">
+                <a:solidFill>
+                  <a:schemeClr val="accent5">
+                    <a:lumMod val="75000"/>
+                  </a:schemeClr>
+                </a:solidFill>
+                <a:latin typeface="ZapfHumnst BT"/>
+                <a:cs typeface="Arial" pitchFamily="34" charset="0"/>
+              </a:rPr>
+              <a:t>System</a:t>
+            </a:r>
+            <a:r>
+              <a:rPr lang="es-MX" b="1" dirty="0">
+                <a:solidFill>
+                  <a:schemeClr val="accent5">
+                    <a:lumMod val="75000"/>
+                  </a:schemeClr>
+                </a:solidFill>
+                <a:latin typeface="ZapfHumnst BT"/>
+                <a:cs typeface="Arial" pitchFamily="34" charset="0"/>
+              </a:rPr>
+              <a:t> </a:t>
+            </a:r>
+            <a:r>
+              <a:rPr lang="es-MX" b="1" dirty="0" err="1">
+                <a:solidFill>
+                  <a:schemeClr val="accent5">
+                    <a:lumMod val="75000"/>
+                  </a:schemeClr>
+                </a:solidFill>
+                <a:latin typeface="ZapfHumnst BT"/>
+                <a:cs typeface="Arial" pitchFamily="34" charset="0"/>
+              </a:rPr>
+              <a:t>Interconnection</a:t>
+            </a:r>
+            <a:r>
+              <a:rPr lang="es-MX" b="1" dirty="0">
+                <a:solidFill>
+                  <a:schemeClr val="accent5">
+                    <a:lumMod val="75000"/>
+                  </a:schemeClr>
+                </a:solidFill>
+                <a:latin typeface="ZapfHumnst BT"/>
+                <a:cs typeface="Arial" pitchFamily="34" charset="0"/>
+              </a:rPr>
+              <a:t> (OSI)</a:t>
+            </a:r>
+          </a:p>
+        </p:txBody>
+      </p:sp>
+      <p:sp>
+        <p:nvSpPr>
+          <p:cNvPr id="6" name="Text Box 4"/>
+          <p:cNvSpPr txBox="1">
+            <a:spLocks noChangeArrowheads="1"/>
+          </p:cNvSpPr>
+          <p:nvPr/>
+        </p:nvSpPr>
+        <p:spPr bwMode="auto">
+          <a:xfrm>
+            <a:off x="714374" y="4174004"/>
+            <a:ext cx="5357814" cy="2092881"/>
+          </a:xfrm>
+          <a:prstGeom prst="rect">
+            <a:avLst/>
+          </a:prstGeom>
+          <a:noFill/>
+          <a:ln>
+            <a:noFill/>
+          </a:ln>
+          <a:extLst>
+            <a:ext uri="{909E8E84-426E-40DD-AFC4-6F175D3DCCD1}">
+              <a14:hiddenFill xmlns:a14="http://schemas.microsoft.com/office/drawing/2010/main">
+                <a:solidFill>
+                  <a:srgbClr val="FFFFFF"/>
+                </a:solidFill>
+              </a14:hiddenFill>
+            </a:ext>
+            <a:ext uri="{91240B29-F687-4F45-9708-019B960494DF}">
+              <a14:hiddenLine xmlns:a14="http://schemas.microsoft.com/office/drawing/2010/main" w="9525">
+                <a:solidFill>
+                  <a:srgbClr val="000000"/>
+                </a:solidFill>
+                <a:miter lim="800000"/>
+                <a:headEnd/>
+                <a:tailEnd/>
+              </a14:hiddenLine>
+            </a:ext>
+          </a:extLst>
+        </p:spPr>
+        <p:txBody>
+          <a:bodyPr wrap="square">
+            <a:spAutoFit/>
+          </a:bodyPr>
+          <a:lstStyle>
+            <a:lvl1pPr>
+              <a:defRPr sz="2400">
+                <a:solidFill>
+                  <a:schemeClr val="tx1"/>
+                </a:solidFill>
+                <a:latin typeface="Times New Roman" pitchFamily="18" charset="0"/>
+              </a:defRPr>
+            </a:lvl1pPr>
+            <a:lvl2pPr marL="742950" indent="-285750">
+              <a:defRPr sz="2400">
+                <a:solidFill>
+                  <a:schemeClr val="tx1"/>
+                </a:solidFill>
+                <a:latin typeface="Times New Roman" pitchFamily="18" charset="0"/>
+              </a:defRPr>
+            </a:lvl2pPr>
+            <a:lvl3pPr marL="1143000" indent="-228600">
+              <a:defRPr sz="2400">
+                <a:solidFill>
+                  <a:schemeClr val="tx1"/>
+                </a:solidFill>
+                <a:latin typeface="Times New Roman" pitchFamily="18" charset="0"/>
+              </a:defRPr>
+            </a:lvl3pPr>
+            <a:lvl4pPr marL="1600200" indent="-228600">
+              <a:defRPr sz="2400">
+                <a:solidFill>
+                  <a:schemeClr val="tx1"/>
+                </a:solidFill>
+                <a:latin typeface="Times New Roman" pitchFamily="18" charset="0"/>
+              </a:defRPr>
+            </a:lvl4pPr>
+            <a:lvl5pPr marL="2057400" indent="-228600">
+              <a:defRPr sz="2400">
+                <a:solidFill>
+                  <a:schemeClr val="tx1"/>
+                </a:solidFill>
+                <a:latin typeface="Times New Roman" pitchFamily="18" charset="0"/>
+              </a:defRPr>
+            </a:lvl5pPr>
+            <a:lvl6pPr marL="2514600" indent="-228600" eaLnBrk="0" fontAlgn="base" hangingPunct="0">
+              <a:spcBef>
+                <a:spcPct val="0"/>
+              </a:spcBef>
+              <a:spcAft>
+                <a:spcPct val="0"/>
+              </a:spcAft>
+              <a:defRPr sz="2400">
+                <a:solidFill>
+                  <a:schemeClr val="tx1"/>
+                </a:solidFill>
+                <a:latin typeface="Times New Roman" pitchFamily="18" charset="0"/>
+              </a:defRPr>
+            </a:lvl6pPr>
+            <a:lvl7pPr marL="2971800" indent="-228600" eaLnBrk="0" fontAlgn="base" hangingPunct="0">
+              <a:spcBef>
+                <a:spcPct val="0"/>
+              </a:spcBef>
+              <a:spcAft>
+                <a:spcPct val="0"/>
+              </a:spcAft>
+              <a:defRPr sz="2400">
+                <a:solidFill>
+                  <a:schemeClr val="tx1"/>
+                </a:solidFill>
+                <a:latin typeface="Times New Roman" pitchFamily="18" charset="0"/>
+              </a:defRPr>
+            </a:lvl7pPr>
+            <a:lvl8pPr marL="3429000" indent="-228600" eaLnBrk="0" fontAlgn="base" hangingPunct="0">
+              <a:spcBef>
+                <a:spcPct val="0"/>
+              </a:spcBef>
+              <a:spcAft>
+                <a:spcPct val="0"/>
+              </a:spcAft>
+              <a:defRPr sz="2400">
+                <a:solidFill>
+                  <a:schemeClr val="tx1"/>
+                </a:solidFill>
+                <a:latin typeface="Times New Roman" pitchFamily="18" charset="0"/>
+              </a:defRPr>
+            </a:lvl8pPr>
+            <a:lvl9pPr marL="3886200" indent="-228600" eaLnBrk="0" fontAlgn="base" hangingPunct="0">
+              <a:spcBef>
+                <a:spcPct val="0"/>
+              </a:spcBef>
+              <a:spcAft>
+                <a:spcPct val="0"/>
+              </a:spcAft>
+              <a:defRPr sz="2400">
+                <a:solidFill>
+                  <a:schemeClr val="tx1"/>
+                </a:solidFill>
+                <a:latin typeface="Times New Roman" pitchFamily="18" charset="0"/>
+              </a:defRPr>
+            </a:lvl9pPr>
+          </a:lstStyle>
+          <a:p>
+            <a:pPr algn="just">
+              <a:lnSpc>
+                <a:spcPct val="150000"/>
+              </a:lnSpc>
+              <a:spcBef>
+                <a:spcPct val="50000"/>
+              </a:spcBef>
+            </a:pPr>
+            <a:r>
+              <a:rPr lang="es-MX" sz="2000" dirty="0">
+                <a:solidFill>
+                  <a:schemeClr val="bg2">
+                    <a:lumMod val="25000"/>
+                  </a:schemeClr>
+                </a:solidFill>
+                <a:latin typeface="+mn-lt"/>
+                <a:cs typeface="Arial" pitchFamily="34" charset="0"/>
+              </a:rPr>
+              <a:t>La solución: </a:t>
+            </a:r>
+            <a:r>
+              <a:rPr lang="es-MX" sz="2000" b="1" dirty="0">
+                <a:solidFill>
+                  <a:schemeClr val="accent6">
+                    <a:lumMod val="75000"/>
+                  </a:schemeClr>
+                </a:solidFill>
+                <a:latin typeface="+mn-lt"/>
+                <a:cs typeface="Arial" pitchFamily="34" charset="0"/>
+              </a:rPr>
+              <a:t>El modelo OSI</a:t>
+            </a:r>
+          </a:p>
+          <a:p>
+            <a:pPr algn="just">
+              <a:lnSpc>
+                <a:spcPct val="150000"/>
+              </a:lnSpc>
+              <a:spcBef>
+                <a:spcPct val="50000"/>
+              </a:spcBef>
+            </a:pPr>
+            <a:r>
+              <a:rPr lang="es-MX" sz="2000" dirty="0">
+                <a:solidFill>
+                  <a:schemeClr val="bg2">
+                    <a:lumMod val="25000"/>
+                  </a:schemeClr>
+                </a:solidFill>
+                <a:latin typeface="+mn-lt"/>
+                <a:cs typeface="Arial" pitchFamily="34" charset="0"/>
+              </a:rPr>
+              <a:t>La </a:t>
+            </a:r>
+            <a:r>
+              <a:rPr lang="es-MX" sz="2000" b="1" dirty="0">
+                <a:solidFill>
+                  <a:schemeClr val="bg2">
+                    <a:lumMod val="25000"/>
+                  </a:schemeClr>
+                </a:solidFill>
+                <a:latin typeface="+mn-lt"/>
+                <a:cs typeface="Arial" pitchFamily="34" charset="0"/>
+              </a:rPr>
+              <a:t>Organización Internacional para la Normalización (ISO) </a:t>
+            </a:r>
+            <a:r>
+              <a:rPr lang="es-MX" sz="2000" dirty="0">
+                <a:solidFill>
+                  <a:schemeClr val="bg2">
+                    <a:lumMod val="25000"/>
+                  </a:schemeClr>
+                </a:solidFill>
+                <a:latin typeface="+mn-lt"/>
+                <a:cs typeface="Arial" pitchFamily="34" charset="0"/>
+              </a:rPr>
+              <a:t>creó en 1984 el modelo de referencia OSI (Open </a:t>
+            </a:r>
+            <a:r>
+              <a:rPr lang="es-MX" sz="2000" dirty="0" err="1">
+                <a:solidFill>
+                  <a:schemeClr val="bg2">
+                    <a:lumMod val="25000"/>
+                  </a:schemeClr>
+                </a:solidFill>
+                <a:latin typeface="+mn-lt"/>
+                <a:cs typeface="Arial" pitchFamily="34" charset="0"/>
+              </a:rPr>
+              <a:t>System</a:t>
+            </a:r>
+            <a:r>
+              <a:rPr lang="es-MX" sz="2000" dirty="0">
+                <a:solidFill>
+                  <a:schemeClr val="bg2">
+                    <a:lumMod val="25000"/>
+                  </a:schemeClr>
+                </a:solidFill>
+                <a:latin typeface="+mn-lt"/>
+                <a:cs typeface="Arial" pitchFamily="34" charset="0"/>
+              </a:rPr>
+              <a:t> </a:t>
+            </a:r>
+            <a:r>
+              <a:rPr lang="es-MX" sz="2000" dirty="0" err="1">
+                <a:solidFill>
+                  <a:schemeClr val="bg2">
+                    <a:lumMod val="25000"/>
+                  </a:schemeClr>
+                </a:solidFill>
+                <a:latin typeface="+mn-lt"/>
+                <a:cs typeface="Arial" pitchFamily="34" charset="0"/>
+              </a:rPr>
+              <a:t>Interconnected</a:t>
+            </a:r>
+            <a:r>
+              <a:rPr lang="es-MX" sz="2000" dirty="0">
+                <a:solidFill>
+                  <a:schemeClr val="bg2">
+                    <a:lumMod val="25000"/>
+                  </a:schemeClr>
+                </a:solidFill>
+                <a:latin typeface="+mn-lt"/>
+                <a:cs typeface="Arial" pitchFamily="34" charset="0"/>
+              </a:rPr>
+              <a:t>)</a:t>
+            </a:r>
+          </a:p>
+        </p:txBody>
+      </p:sp>
+      <p:sp>
+        <p:nvSpPr>
+          <p:cNvPr id="7" name="Rectangle 2"/>
+          <p:cNvSpPr txBox="1">
+            <a:spLocks noChangeArrowheads="1"/>
+          </p:cNvSpPr>
+          <p:nvPr/>
+        </p:nvSpPr>
+        <p:spPr>
+          <a:xfrm>
+            <a:off x="72008" y="116632"/>
+            <a:ext cx="8964488" cy="1143000"/>
+          </a:xfrm>
+          <a:prstGeom prst="rect">
+            <a:avLst/>
+          </a:prstGeom>
+        </p:spPr>
+        <p:txBody>
+          <a:bodyPr vert="horz" lIns="92075" tIns="46038" rIns="92075" bIns="46038" rtlCol="0" anchor="ctr">
+            <a:noAutofit/>
+          </a:bodyPr>
+          <a:lstStyle>
+            <a:lvl1pPr algn="ctr" defTabSz="914400" rtl="0" eaLnBrk="1" latinLnBrk="0" hangingPunct="1">
+              <a:spcBef>
+                <a:spcPct val="0"/>
+              </a:spcBef>
+              <a:buNone/>
+              <a:defRPr sz="4400" kern="1200">
+                <a:solidFill>
+                  <a:schemeClr val="tx1"/>
+                </a:solidFill>
+                <a:latin typeface="+mj-lt"/>
+                <a:ea typeface="+mj-ea"/>
+                <a:cs typeface="+mj-cs"/>
+              </a:defRPr>
+            </a:lvl1pPr>
+          </a:lstStyle>
+          <a:p>
+            <a:pPr>
+              <a:defRPr/>
+            </a:pPr>
+            <a:r>
+              <a:rPr lang="es-ES_tradnl" sz="3600" dirty="0">
+                <a:solidFill>
+                  <a:srgbClr val="3333CC"/>
+                </a:solidFill>
+                <a:effectLst>
+                  <a:outerShdw blurRad="38100" dist="38100" dir="2700000" algn="tl">
+                    <a:srgbClr val="C0C0C0"/>
+                  </a:outerShdw>
+                </a:effectLst>
+                <a:latin typeface="Dom Casual" charset="0"/>
+              </a:rPr>
+              <a:t> </a:t>
+            </a:r>
+            <a:r>
+              <a:rPr lang="es-ES_tradnl" sz="3600" b="1" dirty="0">
+                <a:solidFill>
+                  <a:schemeClr val="accent4">
+                    <a:lumMod val="50000"/>
+                  </a:schemeClr>
+                </a:solidFill>
+                <a:effectLst>
+                  <a:outerShdw blurRad="38100" dist="38100" dir="2700000" algn="tl">
+                    <a:srgbClr val="C0C0C0"/>
+                  </a:outerShdw>
+                </a:effectLst>
+                <a:latin typeface="Dom Casual" charset="0"/>
+              </a:rPr>
+              <a:t>El Modelo OSI</a:t>
+            </a:r>
+          </a:p>
+        </p:txBody>
+      </p:sp>
+    </p:spTree>
+    <p:extLst>
+      <p:ext uri="{BB962C8B-B14F-4D97-AF65-F5344CB8AC3E}">
+        <p14:creationId xmlns:p14="http://schemas.microsoft.com/office/powerpoint/2010/main" val="976797607"/>
+      </p:ext>
+    </p:extLst>
+  </p:cSld>
+  <p:clrMapOvr>
+    <a:masterClrMapping/>
+  </p:clrMapOvr>
+  <p:timing>
+    <p:tnLst>
+      <p:par>
+        <p:cTn id="1" dur="indefinite" restart="never" nodeType="tmRoot">
+          <p:childTnLst>
+            <p:seq concurrent="1" nextAc="seek">
+              <p:cTn id="2" dur="indefinite" nodeType="mainSeq">
+                <p:childTnLst>
+                  <p:par>
+                    <p:cTn id="3" fill="hold" nodeType="clickPar">
+                      <p:stCondLst>
+                        <p:cond delay="indefinite"/>
+                      </p:stCondLst>
+                      <p:childTnLst>
+                        <p:par>
+                          <p:cTn id="4" fill="hold" nodeType="withGroup">
+                            <p:stCondLst>
+                              <p:cond delay="0"/>
+                            </p:stCondLst>
+                            <p:childTnLst>
+                              <p:par>
+                                <p:cTn id="5" presetID="1" presetClass="entr" presetSubtype="0" fill="hold" grpId="0" nodeType="clickEffect">
+                                  <p:stCondLst>
+                                    <p:cond delay="0"/>
+                                  </p:stCondLst>
+                                  <p:childTnLst>
+                                    <p:set>
+                                      <p:cBhvr>
+                                        <p:cTn id="6" dur="1" fill="hold">
+                                          <p:stCondLst>
+                                            <p:cond delay="0"/>
+                                          </p:stCondLst>
+                                        </p:cTn>
+                                        <p:tgtEl>
+                                          <p:spTgt spid="4101"/>
+                                        </p:tgtEl>
+                                        <p:attrNameLst>
+                                          <p:attrName>style.visibility</p:attrName>
+                                        </p:attrNameLst>
+                                      </p:cBhvr>
+                                      <p:to>
+                                        <p:strVal val="visible"/>
+                                      </p:to>
+                                    </p:set>
+                                  </p:childTnLst>
+                                </p:cTn>
+                              </p:par>
+                            </p:childTnLst>
+                          </p:cTn>
+                        </p:par>
+                      </p:childTnLst>
+                    </p:cTn>
+                  </p:par>
+                  <p:par>
+                    <p:cTn id="7" fill="hold">
+                      <p:stCondLst>
+                        <p:cond delay="indefinite"/>
+                      </p:stCondLst>
+                      <p:childTnLst>
+                        <p:par>
+                          <p:cTn id="8" fill="hold">
+                            <p:stCondLst>
+                              <p:cond delay="0"/>
+                            </p:stCondLst>
+                            <p:childTnLst>
+                              <p:par>
+                                <p:cTn id="9" presetID="4" presetClass="entr" presetSubtype="16" fill="hold" grpId="0" nodeType="clickEffect">
+                                  <p:stCondLst>
+                                    <p:cond delay="0"/>
+                                  </p:stCondLst>
+                                  <p:childTnLst>
+                                    <p:set>
+                                      <p:cBhvr>
+                                        <p:cTn id="10" dur="1" fill="hold">
+                                          <p:stCondLst>
+                                            <p:cond delay="0"/>
+                                          </p:stCondLst>
+                                        </p:cTn>
+                                        <p:tgtEl>
+                                          <p:spTgt spid="3076"/>
+                                        </p:tgtEl>
+                                        <p:attrNameLst>
+                                          <p:attrName>style.visibility</p:attrName>
+                                        </p:attrNameLst>
+                                      </p:cBhvr>
+                                      <p:to>
+                                        <p:strVal val="visible"/>
+                                      </p:to>
+                                    </p:set>
+                                    <p:animEffect transition="in" filter="box(in)">
+                                      <p:cBhvr>
+                                        <p:cTn id="11" dur="2000"/>
+                                        <p:tgtEl>
+                                          <p:spTgt spid="3076"/>
+                                        </p:tgtEl>
+                                      </p:cBhvr>
+                                    </p:animEffect>
+                                  </p:childTnLst>
+                                </p:cTn>
+                              </p:par>
+                            </p:childTnLst>
+                          </p:cTn>
+                        </p:par>
+                      </p:childTnLst>
+                    </p:cTn>
+                  </p:par>
+                  <p:par>
+                    <p:cTn id="12" fill="hold" nodeType="clickPar">
+                      <p:stCondLst>
+                        <p:cond delay="indefinite"/>
+                      </p:stCondLst>
+                      <p:childTnLst>
+                        <p:par>
+                          <p:cTn id="13" fill="hold" nodeType="withGroup">
+                            <p:stCondLst>
+                              <p:cond delay="0"/>
+                            </p:stCondLst>
+                            <p:childTnLst>
+                              <p:par>
+                                <p:cTn id="14" presetID="4" presetClass="entr" presetSubtype="16" fill="hold" grpId="0" nodeType="clickEffect">
+                                  <p:stCondLst>
+                                    <p:cond delay="0"/>
+                                  </p:stCondLst>
+                                  <p:childTnLst>
+                                    <p:set>
+                                      <p:cBhvr>
+                                        <p:cTn id="15" dur="1" fill="hold">
+                                          <p:stCondLst>
+                                            <p:cond delay="0"/>
+                                          </p:stCondLst>
+                                        </p:cTn>
+                                        <p:tgtEl>
+                                          <p:spTgt spid="6"/>
+                                        </p:tgtEl>
+                                        <p:attrNameLst>
+                                          <p:attrName>style.visibility</p:attrName>
+                                        </p:attrNameLst>
+                                      </p:cBhvr>
+                                      <p:to>
+                                        <p:strVal val="visible"/>
+                                      </p:to>
+                                    </p:set>
+                                    <p:animEffect transition="in" filter="box(in)">
+                                      <p:cBhvr>
+                                        <p:cTn id="16" dur="2000"/>
+                                        <p:tgtEl>
+                                          <p:spTgt spid="6"/>
+                                        </p:tgtEl>
+                                      </p:cBhvr>
+                                    </p:animEffect>
+                                  </p:childTnLst>
+                                </p:cTn>
+                              </p:par>
+                            </p:childTnLst>
+                          </p:cTn>
+                        </p:par>
+                      </p:childTnLst>
+                    </p:cTn>
+                  </p:par>
+                </p:childTnLst>
+              </p:cTn>
+              <p:prevCondLst>
+                <p:cond evt="onPrev" delay="0">
+                  <p:tgtEl>
+                    <p:sldTgt/>
+                  </p:tgtEl>
+                </p:cond>
+              </p:prevCondLst>
+              <p:nextCondLst>
+                <p:cond evt="onNext" delay="0">
+                  <p:tgtEl>
+                    <p:sldTgt/>
+                  </p:tgtEl>
+                </p:cond>
+              </p:nextCondLst>
+            </p:seq>
+          </p:childTnLst>
+        </p:cTn>
+      </p:par>
+    </p:tnLst>
+    <p:bldLst>
+      <p:bldP spid="3076" grpId="0"/>
+      <p:bldP spid="4101" grpId="0"/>
+      <p:bldP spid="6" grpId="0"/>
+    </p:bldLst>
+  </p:timing>
+</p:sld>
+</file>
+
+<file path=ppt/slides/slide30.xml><?xml version="1.0" encoding="utf-8"?>
 <p:sld xmlns:a="http://schemas.openxmlformats.org/drawingml/2006/main" xmlns:r="http://schemas.openxmlformats.org/officeDocument/2006/relationships" xmlns:p="http://schemas.openxmlformats.org/presentationml/2006/main">
   <p:cSld>
     <p:spTree>
@@ -24173,1060 +26181,7 @@
 </p:sld>
 </file>
 
-<file path=ppt/slides/slide3.xml><?xml version="1.0" encoding="utf-8"?>
-<p:sld xmlns:a="http://schemas.openxmlformats.org/drawingml/2006/main" xmlns:r="http://schemas.openxmlformats.org/officeDocument/2006/relationships" xmlns:p="http://schemas.openxmlformats.org/presentationml/2006/main">
-  <p:cSld>
-    <p:spTree>
-      <p:nvGrpSpPr>
-        <p:cNvPr id="1" name=""/>
-        <p:cNvGrpSpPr/>
-        <p:nvPr/>
-      </p:nvGrpSpPr>
-      <p:grpSpPr>
-        <a:xfrm>
-          <a:off x="0" y="0"/>
-          <a:ext cx="0" cy="0"/>
-          <a:chOff x="0" y="0"/>
-          <a:chExt cx="0" cy="0"/>
-        </a:xfrm>
-      </p:grpSpPr>
-      <p:graphicFrame>
-        <p:nvGraphicFramePr>
-          <p:cNvPr id="4099" name="Object 3"/>
-          <p:cNvGraphicFramePr>
-            <a:graphicFrameLocks noChangeAspect="1"/>
-          </p:cNvGraphicFramePr>
-          <p:nvPr>
-            <p:extLst>
-              <p:ext uri="{D42A27DB-BD31-4B8C-83A1-F6EECF244321}">
-                <p14:modId xmlns:p14="http://schemas.microsoft.com/office/powerpoint/2010/main" val="3912553987"/>
-              </p:ext>
-            </p:extLst>
-          </p:nvPr>
-        </p:nvGraphicFramePr>
-        <p:xfrm>
-          <a:off x="6804248" y="2282488"/>
-          <a:ext cx="1952625" cy="3594784"/>
-        </p:xfrm>
-        <a:graphic>
-          <a:graphicData uri="http://schemas.openxmlformats.org/presentationml/2006/ole">
-            <mc:AlternateContent xmlns:mc="http://schemas.openxmlformats.org/markup-compatibility/2006">
-              <mc:Choice xmlns:v="urn:schemas-microsoft-com:vml" Requires="v">
-                <p:oleObj spid="_x0000_s6227" name="Bitmap Image" r:id="rId3" imgW="1685950" imgH="2590983" progId="Paint.Picture">
-                  <p:embed/>
-                </p:oleObj>
-              </mc:Choice>
-              <mc:Fallback>
-                <p:oleObj name="Bitmap Image" r:id="rId3" imgW="1685950" imgH="2590983" progId="Paint.Picture">
-                  <p:embed/>
-                  <p:pic>
-                    <p:nvPicPr>
-                      <p:cNvPr id="0" name=""/>
-                      <p:cNvPicPr>
-                        <a:picLocks noChangeAspect="1" noChangeArrowheads="1"/>
-                      </p:cNvPicPr>
-                      <p:nvPr/>
-                    </p:nvPicPr>
-                    <p:blipFill>
-                      <a:blip r:embed="rId4">
-                        <a:extLst>
-                          <a:ext uri="{28A0092B-C50C-407E-A947-70E740481C1C}">
-                            <a14:useLocalDpi xmlns:a14="http://schemas.microsoft.com/office/drawing/2010/main" val="0"/>
-                          </a:ext>
-                        </a:extLst>
-                      </a:blip>
-                      <a:srcRect/>
-                      <a:stretch>
-                        <a:fillRect/>
-                      </a:stretch>
-                    </p:blipFill>
-                    <p:spPr bwMode="auto">
-                      <a:xfrm>
-                        <a:off x="6804248" y="2282488"/>
-                        <a:ext cx="1952625" cy="3594784"/>
-                      </a:xfrm>
-                      <a:prstGeom prst="rect">
-                        <a:avLst/>
-                      </a:prstGeom>
-                      <a:noFill/>
-                      <a:ln>
-                        <a:noFill/>
-                      </a:ln>
-                      <a:effectLst/>
-                    </p:spPr>
-                  </p:pic>
-                </p:oleObj>
-              </mc:Fallback>
-            </mc:AlternateContent>
-          </a:graphicData>
-        </a:graphic>
-      </p:graphicFrame>
-      <p:sp>
-        <p:nvSpPr>
-          <p:cNvPr id="3076" name="Text Box 4"/>
-          <p:cNvSpPr txBox="1">
-            <a:spLocks noChangeArrowheads="1"/>
-          </p:cNvSpPr>
-          <p:nvPr/>
-        </p:nvSpPr>
-        <p:spPr bwMode="auto">
-          <a:xfrm>
-            <a:off x="714375" y="2071688"/>
-            <a:ext cx="5357813" cy="1938992"/>
-          </a:xfrm>
-          <a:prstGeom prst="rect">
-            <a:avLst/>
-          </a:prstGeom>
-          <a:noFill/>
-          <a:ln>
-            <a:noFill/>
-          </a:ln>
-          <a:extLst>
-            <a:ext uri="{909E8E84-426E-40DD-AFC4-6F175D3DCCD1}">
-              <a14:hiddenFill xmlns:a14="http://schemas.microsoft.com/office/drawing/2010/main">
-                <a:solidFill>
-                  <a:srgbClr val="FFFFFF"/>
-                </a:solidFill>
-              </a14:hiddenFill>
-            </a:ext>
-            <a:ext uri="{91240B29-F687-4F45-9708-019B960494DF}">
-              <a14:hiddenLine xmlns:a14="http://schemas.microsoft.com/office/drawing/2010/main" w="9525">
-                <a:solidFill>
-                  <a:srgbClr val="000000"/>
-                </a:solidFill>
-                <a:miter lim="800000"/>
-                <a:headEnd/>
-                <a:tailEnd/>
-              </a14:hiddenLine>
-            </a:ext>
-          </a:extLst>
-        </p:spPr>
-        <p:txBody>
-          <a:bodyPr>
-            <a:spAutoFit/>
-          </a:bodyPr>
-          <a:lstStyle>
-            <a:lvl1pPr>
-              <a:defRPr sz="2400">
-                <a:solidFill>
-                  <a:schemeClr val="tx1"/>
-                </a:solidFill>
-                <a:latin typeface="Times New Roman" pitchFamily="18" charset="0"/>
-              </a:defRPr>
-            </a:lvl1pPr>
-            <a:lvl2pPr marL="742950" indent="-285750">
-              <a:defRPr sz="2400">
-                <a:solidFill>
-                  <a:schemeClr val="tx1"/>
-                </a:solidFill>
-                <a:latin typeface="Times New Roman" pitchFamily="18" charset="0"/>
-              </a:defRPr>
-            </a:lvl2pPr>
-            <a:lvl3pPr marL="1143000" indent="-228600">
-              <a:defRPr sz="2400">
-                <a:solidFill>
-                  <a:schemeClr val="tx1"/>
-                </a:solidFill>
-                <a:latin typeface="Times New Roman" pitchFamily="18" charset="0"/>
-              </a:defRPr>
-            </a:lvl3pPr>
-            <a:lvl4pPr marL="1600200" indent="-228600">
-              <a:defRPr sz="2400">
-                <a:solidFill>
-                  <a:schemeClr val="tx1"/>
-                </a:solidFill>
-                <a:latin typeface="Times New Roman" pitchFamily="18" charset="0"/>
-              </a:defRPr>
-            </a:lvl4pPr>
-            <a:lvl5pPr marL="2057400" indent="-228600">
-              <a:defRPr sz="2400">
-                <a:solidFill>
-                  <a:schemeClr val="tx1"/>
-                </a:solidFill>
-                <a:latin typeface="Times New Roman" pitchFamily="18" charset="0"/>
-              </a:defRPr>
-            </a:lvl5pPr>
-            <a:lvl6pPr marL="2514600" indent="-228600" eaLnBrk="0" fontAlgn="base" hangingPunct="0">
-              <a:spcBef>
-                <a:spcPct val="0"/>
-              </a:spcBef>
-              <a:spcAft>
-                <a:spcPct val="0"/>
-              </a:spcAft>
-              <a:defRPr sz="2400">
-                <a:solidFill>
-                  <a:schemeClr val="tx1"/>
-                </a:solidFill>
-                <a:latin typeface="Times New Roman" pitchFamily="18" charset="0"/>
-              </a:defRPr>
-            </a:lvl6pPr>
-            <a:lvl7pPr marL="2971800" indent="-228600" eaLnBrk="0" fontAlgn="base" hangingPunct="0">
-              <a:spcBef>
-                <a:spcPct val="0"/>
-              </a:spcBef>
-              <a:spcAft>
-                <a:spcPct val="0"/>
-              </a:spcAft>
-              <a:defRPr sz="2400">
-                <a:solidFill>
-                  <a:schemeClr val="tx1"/>
-                </a:solidFill>
-                <a:latin typeface="Times New Roman" pitchFamily="18" charset="0"/>
-              </a:defRPr>
-            </a:lvl7pPr>
-            <a:lvl8pPr marL="3429000" indent="-228600" eaLnBrk="0" fontAlgn="base" hangingPunct="0">
-              <a:spcBef>
-                <a:spcPct val="0"/>
-              </a:spcBef>
-              <a:spcAft>
-                <a:spcPct val="0"/>
-              </a:spcAft>
-              <a:defRPr sz="2400">
-                <a:solidFill>
-                  <a:schemeClr val="tx1"/>
-                </a:solidFill>
-                <a:latin typeface="Times New Roman" pitchFamily="18" charset="0"/>
-              </a:defRPr>
-            </a:lvl8pPr>
-            <a:lvl9pPr marL="3886200" indent="-228600" eaLnBrk="0" fontAlgn="base" hangingPunct="0">
-              <a:spcBef>
-                <a:spcPct val="0"/>
-              </a:spcBef>
-              <a:spcAft>
-                <a:spcPct val="0"/>
-              </a:spcAft>
-              <a:defRPr sz="2400">
-                <a:solidFill>
-                  <a:schemeClr val="tx1"/>
-                </a:solidFill>
-                <a:latin typeface="Times New Roman" pitchFamily="18" charset="0"/>
-              </a:defRPr>
-            </a:lvl9pPr>
-          </a:lstStyle>
-          <a:p>
-            <a:pPr algn="just">
-              <a:lnSpc>
-                <a:spcPct val="150000"/>
-              </a:lnSpc>
-              <a:spcBef>
-                <a:spcPct val="50000"/>
-              </a:spcBef>
-            </a:pPr>
-            <a:r>
-              <a:rPr lang="es-MX" sz="2000" dirty="0">
-                <a:solidFill>
-                  <a:schemeClr val="bg2">
-                    <a:lumMod val="25000"/>
-                  </a:schemeClr>
-                </a:solidFill>
-                <a:latin typeface="+mn-lt"/>
-                <a:cs typeface="Arial" pitchFamily="34" charset="0"/>
-              </a:rPr>
-              <a:t>El modelo </a:t>
-            </a:r>
-            <a:r>
-              <a:rPr lang="es-MX" sz="2000" b="1" dirty="0">
-                <a:solidFill>
-                  <a:schemeClr val="accent6">
-                    <a:lumMod val="75000"/>
-                  </a:schemeClr>
-                </a:solidFill>
-                <a:latin typeface="+mn-lt"/>
-                <a:cs typeface="Arial" pitchFamily="34" charset="0"/>
-              </a:rPr>
-              <a:t>OSI</a:t>
-            </a:r>
-            <a:r>
-              <a:rPr lang="es-MX" sz="2000" dirty="0">
-                <a:solidFill>
-                  <a:schemeClr val="bg2">
-                    <a:lumMod val="25000"/>
-                  </a:schemeClr>
-                </a:solidFill>
-                <a:latin typeface="+mn-lt"/>
-                <a:cs typeface="Arial" pitchFamily="34" charset="0"/>
-              </a:rPr>
-              <a:t>, surge como una respuesta a la necesidad de </a:t>
-            </a:r>
-            <a:r>
-              <a:rPr lang="es-MX" sz="2000" u="sng" dirty="0">
-                <a:solidFill>
-                  <a:schemeClr val="bg2">
-                    <a:lumMod val="25000"/>
-                  </a:schemeClr>
-                </a:solidFill>
-                <a:latin typeface="+mn-lt"/>
-                <a:cs typeface="Arial" pitchFamily="34" charset="0"/>
-              </a:rPr>
-              <a:t>interconexión de equipos de informática de diferentes fabricantes</a:t>
-            </a:r>
-            <a:r>
-              <a:rPr lang="es-MX" sz="2000" dirty="0">
-                <a:solidFill>
-                  <a:schemeClr val="bg2">
-                    <a:lumMod val="25000"/>
-                  </a:schemeClr>
-                </a:solidFill>
-                <a:latin typeface="+mn-lt"/>
-                <a:cs typeface="Arial" pitchFamily="34" charset="0"/>
-              </a:rPr>
-              <a:t> para comunicarse entre sí con éxito en una red.  </a:t>
-            </a:r>
-          </a:p>
-        </p:txBody>
-      </p:sp>
-      <p:sp>
-        <p:nvSpPr>
-          <p:cNvPr id="4101" name="8 CuadroTexto"/>
-          <p:cNvSpPr txBox="1">
-            <a:spLocks noChangeArrowheads="1"/>
-          </p:cNvSpPr>
-          <p:nvPr/>
-        </p:nvSpPr>
-        <p:spPr bwMode="auto">
-          <a:xfrm>
-            <a:off x="714375" y="1428750"/>
-            <a:ext cx="5786438" cy="461963"/>
-          </a:xfrm>
-          <a:prstGeom prst="rect">
-            <a:avLst/>
-          </a:prstGeom>
-          <a:noFill/>
-          <a:ln>
-            <a:noFill/>
-          </a:ln>
-          <a:extLst>
-            <a:ext uri="{909E8E84-426E-40DD-AFC4-6F175D3DCCD1}">
-              <a14:hiddenFill xmlns:a14="http://schemas.microsoft.com/office/drawing/2010/main">
-                <a:solidFill>
-                  <a:srgbClr val="FFFFFF"/>
-                </a:solidFill>
-              </a14:hiddenFill>
-            </a:ext>
-            <a:ext uri="{91240B29-F687-4F45-9708-019B960494DF}">
-              <a14:hiddenLine xmlns:a14="http://schemas.microsoft.com/office/drawing/2010/main" w="9525">
-                <a:solidFill>
-                  <a:srgbClr val="000000"/>
-                </a:solidFill>
-                <a:miter lim="800000"/>
-                <a:headEnd/>
-                <a:tailEnd/>
-              </a14:hiddenLine>
-            </a:ext>
-          </a:extLst>
-        </p:spPr>
-        <p:txBody>
-          <a:bodyPr>
-            <a:spAutoFit/>
-          </a:bodyPr>
-          <a:lstStyle>
-            <a:lvl1pPr>
-              <a:defRPr sz="2400">
-                <a:solidFill>
-                  <a:schemeClr val="tx1"/>
-                </a:solidFill>
-                <a:latin typeface="Times New Roman" pitchFamily="18" charset="0"/>
-              </a:defRPr>
-            </a:lvl1pPr>
-            <a:lvl2pPr marL="742950" indent="-285750">
-              <a:defRPr sz="2400">
-                <a:solidFill>
-                  <a:schemeClr val="tx1"/>
-                </a:solidFill>
-                <a:latin typeface="Times New Roman" pitchFamily="18" charset="0"/>
-              </a:defRPr>
-            </a:lvl2pPr>
-            <a:lvl3pPr marL="1143000" indent="-228600">
-              <a:defRPr sz="2400">
-                <a:solidFill>
-                  <a:schemeClr val="tx1"/>
-                </a:solidFill>
-                <a:latin typeface="Times New Roman" pitchFamily="18" charset="0"/>
-              </a:defRPr>
-            </a:lvl3pPr>
-            <a:lvl4pPr marL="1600200" indent="-228600">
-              <a:defRPr sz="2400">
-                <a:solidFill>
-                  <a:schemeClr val="tx1"/>
-                </a:solidFill>
-                <a:latin typeface="Times New Roman" pitchFamily="18" charset="0"/>
-              </a:defRPr>
-            </a:lvl4pPr>
-            <a:lvl5pPr marL="2057400" indent="-228600">
-              <a:defRPr sz="2400">
-                <a:solidFill>
-                  <a:schemeClr val="tx1"/>
-                </a:solidFill>
-                <a:latin typeface="Times New Roman" pitchFamily="18" charset="0"/>
-              </a:defRPr>
-            </a:lvl5pPr>
-            <a:lvl6pPr marL="2514600" indent="-228600" eaLnBrk="0" fontAlgn="base" hangingPunct="0">
-              <a:spcBef>
-                <a:spcPct val="0"/>
-              </a:spcBef>
-              <a:spcAft>
-                <a:spcPct val="0"/>
-              </a:spcAft>
-              <a:defRPr sz="2400">
-                <a:solidFill>
-                  <a:schemeClr val="tx1"/>
-                </a:solidFill>
-                <a:latin typeface="Times New Roman" pitchFamily="18" charset="0"/>
-              </a:defRPr>
-            </a:lvl6pPr>
-            <a:lvl7pPr marL="2971800" indent="-228600" eaLnBrk="0" fontAlgn="base" hangingPunct="0">
-              <a:spcBef>
-                <a:spcPct val="0"/>
-              </a:spcBef>
-              <a:spcAft>
-                <a:spcPct val="0"/>
-              </a:spcAft>
-              <a:defRPr sz="2400">
-                <a:solidFill>
-                  <a:schemeClr val="tx1"/>
-                </a:solidFill>
-                <a:latin typeface="Times New Roman" pitchFamily="18" charset="0"/>
-              </a:defRPr>
-            </a:lvl7pPr>
-            <a:lvl8pPr marL="3429000" indent="-228600" eaLnBrk="0" fontAlgn="base" hangingPunct="0">
-              <a:spcBef>
-                <a:spcPct val="0"/>
-              </a:spcBef>
-              <a:spcAft>
-                <a:spcPct val="0"/>
-              </a:spcAft>
-              <a:defRPr sz="2400">
-                <a:solidFill>
-                  <a:schemeClr val="tx1"/>
-                </a:solidFill>
-                <a:latin typeface="Times New Roman" pitchFamily="18" charset="0"/>
-              </a:defRPr>
-            </a:lvl8pPr>
-            <a:lvl9pPr marL="3886200" indent="-228600" eaLnBrk="0" fontAlgn="base" hangingPunct="0">
-              <a:spcBef>
-                <a:spcPct val="0"/>
-              </a:spcBef>
-              <a:spcAft>
-                <a:spcPct val="0"/>
-              </a:spcAft>
-              <a:defRPr sz="2400">
-                <a:solidFill>
-                  <a:schemeClr val="tx1"/>
-                </a:solidFill>
-                <a:latin typeface="Times New Roman" pitchFamily="18" charset="0"/>
-              </a:defRPr>
-            </a:lvl9pPr>
-          </a:lstStyle>
-          <a:p>
-            <a:r>
-              <a:rPr lang="es-MX" b="1" dirty="0">
-                <a:solidFill>
-                  <a:schemeClr val="accent5">
-                    <a:lumMod val="75000"/>
-                  </a:schemeClr>
-                </a:solidFill>
-                <a:latin typeface="ZapfHumnst BT"/>
-                <a:cs typeface="Arial" pitchFamily="34" charset="0"/>
-              </a:rPr>
-              <a:t>Open </a:t>
-            </a:r>
-            <a:r>
-              <a:rPr lang="es-MX" b="1" dirty="0" err="1">
-                <a:solidFill>
-                  <a:schemeClr val="accent5">
-                    <a:lumMod val="75000"/>
-                  </a:schemeClr>
-                </a:solidFill>
-                <a:latin typeface="ZapfHumnst BT"/>
-                <a:cs typeface="Arial" pitchFamily="34" charset="0"/>
-              </a:rPr>
-              <a:t>System</a:t>
-            </a:r>
-            <a:r>
-              <a:rPr lang="es-MX" b="1" dirty="0">
-                <a:solidFill>
-                  <a:schemeClr val="accent5">
-                    <a:lumMod val="75000"/>
-                  </a:schemeClr>
-                </a:solidFill>
-                <a:latin typeface="ZapfHumnst BT"/>
-                <a:cs typeface="Arial" pitchFamily="34" charset="0"/>
-              </a:rPr>
-              <a:t> </a:t>
-            </a:r>
-            <a:r>
-              <a:rPr lang="es-MX" b="1" dirty="0" err="1">
-                <a:solidFill>
-                  <a:schemeClr val="accent5">
-                    <a:lumMod val="75000"/>
-                  </a:schemeClr>
-                </a:solidFill>
-                <a:latin typeface="ZapfHumnst BT"/>
-                <a:cs typeface="Arial" pitchFamily="34" charset="0"/>
-              </a:rPr>
-              <a:t>Interconnection</a:t>
-            </a:r>
-            <a:r>
-              <a:rPr lang="es-MX" b="1" dirty="0">
-                <a:solidFill>
-                  <a:schemeClr val="accent5">
-                    <a:lumMod val="75000"/>
-                  </a:schemeClr>
-                </a:solidFill>
-                <a:latin typeface="ZapfHumnst BT"/>
-                <a:cs typeface="Arial" pitchFamily="34" charset="0"/>
-              </a:rPr>
-              <a:t> (OSI)</a:t>
-            </a:r>
-          </a:p>
-        </p:txBody>
-      </p:sp>
-      <p:sp>
-        <p:nvSpPr>
-          <p:cNvPr id="6" name="Text Box 4"/>
-          <p:cNvSpPr txBox="1">
-            <a:spLocks noChangeArrowheads="1"/>
-          </p:cNvSpPr>
-          <p:nvPr/>
-        </p:nvSpPr>
-        <p:spPr bwMode="auto">
-          <a:xfrm>
-            <a:off x="714374" y="4174004"/>
-            <a:ext cx="5357814" cy="2092881"/>
-          </a:xfrm>
-          <a:prstGeom prst="rect">
-            <a:avLst/>
-          </a:prstGeom>
-          <a:noFill/>
-          <a:ln>
-            <a:noFill/>
-          </a:ln>
-          <a:extLst>
-            <a:ext uri="{909E8E84-426E-40DD-AFC4-6F175D3DCCD1}">
-              <a14:hiddenFill xmlns:a14="http://schemas.microsoft.com/office/drawing/2010/main">
-                <a:solidFill>
-                  <a:srgbClr val="FFFFFF"/>
-                </a:solidFill>
-              </a14:hiddenFill>
-            </a:ext>
-            <a:ext uri="{91240B29-F687-4F45-9708-019B960494DF}">
-              <a14:hiddenLine xmlns:a14="http://schemas.microsoft.com/office/drawing/2010/main" w="9525">
-                <a:solidFill>
-                  <a:srgbClr val="000000"/>
-                </a:solidFill>
-                <a:miter lim="800000"/>
-                <a:headEnd/>
-                <a:tailEnd/>
-              </a14:hiddenLine>
-            </a:ext>
-          </a:extLst>
-        </p:spPr>
-        <p:txBody>
-          <a:bodyPr wrap="square">
-            <a:spAutoFit/>
-          </a:bodyPr>
-          <a:lstStyle>
-            <a:lvl1pPr>
-              <a:defRPr sz="2400">
-                <a:solidFill>
-                  <a:schemeClr val="tx1"/>
-                </a:solidFill>
-                <a:latin typeface="Times New Roman" pitchFamily="18" charset="0"/>
-              </a:defRPr>
-            </a:lvl1pPr>
-            <a:lvl2pPr marL="742950" indent="-285750">
-              <a:defRPr sz="2400">
-                <a:solidFill>
-                  <a:schemeClr val="tx1"/>
-                </a:solidFill>
-                <a:latin typeface="Times New Roman" pitchFamily="18" charset="0"/>
-              </a:defRPr>
-            </a:lvl2pPr>
-            <a:lvl3pPr marL="1143000" indent="-228600">
-              <a:defRPr sz="2400">
-                <a:solidFill>
-                  <a:schemeClr val="tx1"/>
-                </a:solidFill>
-                <a:latin typeface="Times New Roman" pitchFamily="18" charset="0"/>
-              </a:defRPr>
-            </a:lvl3pPr>
-            <a:lvl4pPr marL="1600200" indent="-228600">
-              <a:defRPr sz="2400">
-                <a:solidFill>
-                  <a:schemeClr val="tx1"/>
-                </a:solidFill>
-                <a:latin typeface="Times New Roman" pitchFamily="18" charset="0"/>
-              </a:defRPr>
-            </a:lvl4pPr>
-            <a:lvl5pPr marL="2057400" indent="-228600">
-              <a:defRPr sz="2400">
-                <a:solidFill>
-                  <a:schemeClr val="tx1"/>
-                </a:solidFill>
-                <a:latin typeface="Times New Roman" pitchFamily="18" charset="0"/>
-              </a:defRPr>
-            </a:lvl5pPr>
-            <a:lvl6pPr marL="2514600" indent="-228600" eaLnBrk="0" fontAlgn="base" hangingPunct="0">
-              <a:spcBef>
-                <a:spcPct val="0"/>
-              </a:spcBef>
-              <a:spcAft>
-                <a:spcPct val="0"/>
-              </a:spcAft>
-              <a:defRPr sz="2400">
-                <a:solidFill>
-                  <a:schemeClr val="tx1"/>
-                </a:solidFill>
-                <a:latin typeface="Times New Roman" pitchFamily="18" charset="0"/>
-              </a:defRPr>
-            </a:lvl6pPr>
-            <a:lvl7pPr marL="2971800" indent="-228600" eaLnBrk="0" fontAlgn="base" hangingPunct="0">
-              <a:spcBef>
-                <a:spcPct val="0"/>
-              </a:spcBef>
-              <a:spcAft>
-                <a:spcPct val="0"/>
-              </a:spcAft>
-              <a:defRPr sz="2400">
-                <a:solidFill>
-                  <a:schemeClr val="tx1"/>
-                </a:solidFill>
-                <a:latin typeface="Times New Roman" pitchFamily="18" charset="0"/>
-              </a:defRPr>
-            </a:lvl7pPr>
-            <a:lvl8pPr marL="3429000" indent="-228600" eaLnBrk="0" fontAlgn="base" hangingPunct="0">
-              <a:spcBef>
-                <a:spcPct val="0"/>
-              </a:spcBef>
-              <a:spcAft>
-                <a:spcPct val="0"/>
-              </a:spcAft>
-              <a:defRPr sz="2400">
-                <a:solidFill>
-                  <a:schemeClr val="tx1"/>
-                </a:solidFill>
-                <a:latin typeface="Times New Roman" pitchFamily="18" charset="0"/>
-              </a:defRPr>
-            </a:lvl8pPr>
-            <a:lvl9pPr marL="3886200" indent="-228600" eaLnBrk="0" fontAlgn="base" hangingPunct="0">
-              <a:spcBef>
-                <a:spcPct val="0"/>
-              </a:spcBef>
-              <a:spcAft>
-                <a:spcPct val="0"/>
-              </a:spcAft>
-              <a:defRPr sz="2400">
-                <a:solidFill>
-                  <a:schemeClr val="tx1"/>
-                </a:solidFill>
-                <a:latin typeface="Times New Roman" pitchFamily="18" charset="0"/>
-              </a:defRPr>
-            </a:lvl9pPr>
-          </a:lstStyle>
-          <a:p>
-            <a:pPr algn="just">
-              <a:lnSpc>
-                <a:spcPct val="150000"/>
-              </a:lnSpc>
-              <a:spcBef>
-                <a:spcPct val="50000"/>
-              </a:spcBef>
-            </a:pPr>
-            <a:r>
-              <a:rPr lang="es-MX" sz="2000" dirty="0">
-                <a:solidFill>
-                  <a:schemeClr val="bg2">
-                    <a:lumMod val="25000"/>
-                  </a:schemeClr>
-                </a:solidFill>
-                <a:latin typeface="+mn-lt"/>
-                <a:cs typeface="Arial" pitchFamily="34" charset="0"/>
-              </a:rPr>
-              <a:t>La solución: </a:t>
-            </a:r>
-            <a:r>
-              <a:rPr lang="es-MX" sz="2000" b="1" dirty="0">
-                <a:solidFill>
-                  <a:schemeClr val="accent6">
-                    <a:lumMod val="75000"/>
-                  </a:schemeClr>
-                </a:solidFill>
-                <a:latin typeface="+mn-lt"/>
-                <a:cs typeface="Arial" pitchFamily="34" charset="0"/>
-              </a:rPr>
-              <a:t>El modelo OSI</a:t>
-            </a:r>
-          </a:p>
-          <a:p>
-            <a:pPr algn="just">
-              <a:lnSpc>
-                <a:spcPct val="150000"/>
-              </a:lnSpc>
-              <a:spcBef>
-                <a:spcPct val="50000"/>
-              </a:spcBef>
-            </a:pPr>
-            <a:r>
-              <a:rPr lang="es-MX" sz="2000" dirty="0">
-                <a:solidFill>
-                  <a:schemeClr val="bg2">
-                    <a:lumMod val="25000"/>
-                  </a:schemeClr>
-                </a:solidFill>
-                <a:latin typeface="+mn-lt"/>
-                <a:cs typeface="Arial" pitchFamily="34" charset="0"/>
-              </a:rPr>
-              <a:t>La </a:t>
-            </a:r>
-            <a:r>
-              <a:rPr lang="es-MX" sz="2000" b="1" dirty="0">
-                <a:solidFill>
-                  <a:schemeClr val="bg2">
-                    <a:lumMod val="25000"/>
-                  </a:schemeClr>
-                </a:solidFill>
-                <a:latin typeface="+mn-lt"/>
-                <a:cs typeface="Arial" pitchFamily="34" charset="0"/>
-              </a:rPr>
-              <a:t>Organización Internacional para la Normalización (ISO) </a:t>
-            </a:r>
-            <a:r>
-              <a:rPr lang="es-MX" sz="2000" dirty="0">
-                <a:solidFill>
-                  <a:schemeClr val="bg2">
-                    <a:lumMod val="25000"/>
-                  </a:schemeClr>
-                </a:solidFill>
-                <a:latin typeface="+mn-lt"/>
-                <a:cs typeface="Arial" pitchFamily="34" charset="0"/>
-              </a:rPr>
-              <a:t>creó en 1984 el modelo de referencia OSI (Open </a:t>
-            </a:r>
-            <a:r>
-              <a:rPr lang="es-MX" sz="2000" dirty="0" err="1">
-                <a:solidFill>
-                  <a:schemeClr val="bg2">
-                    <a:lumMod val="25000"/>
-                  </a:schemeClr>
-                </a:solidFill>
-                <a:latin typeface="+mn-lt"/>
-                <a:cs typeface="Arial" pitchFamily="34" charset="0"/>
-              </a:rPr>
-              <a:t>System</a:t>
-            </a:r>
-            <a:r>
-              <a:rPr lang="es-MX" sz="2000" dirty="0">
-                <a:solidFill>
-                  <a:schemeClr val="bg2">
-                    <a:lumMod val="25000"/>
-                  </a:schemeClr>
-                </a:solidFill>
-                <a:latin typeface="+mn-lt"/>
-                <a:cs typeface="Arial" pitchFamily="34" charset="0"/>
-              </a:rPr>
-              <a:t> </a:t>
-            </a:r>
-            <a:r>
-              <a:rPr lang="es-MX" sz="2000" dirty="0" err="1">
-                <a:solidFill>
-                  <a:schemeClr val="bg2">
-                    <a:lumMod val="25000"/>
-                  </a:schemeClr>
-                </a:solidFill>
-                <a:latin typeface="+mn-lt"/>
-                <a:cs typeface="Arial" pitchFamily="34" charset="0"/>
-              </a:rPr>
-              <a:t>Interconnected</a:t>
-            </a:r>
-            <a:r>
-              <a:rPr lang="es-MX" sz="2000" dirty="0">
-                <a:solidFill>
-                  <a:schemeClr val="bg2">
-                    <a:lumMod val="25000"/>
-                  </a:schemeClr>
-                </a:solidFill>
-                <a:latin typeface="+mn-lt"/>
-                <a:cs typeface="Arial" pitchFamily="34" charset="0"/>
-              </a:rPr>
-              <a:t>)</a:t>
-            </a:r>
-          </a:p>
-        </p:txBody>
-      </p:sp>
-      <p:sp>
-        <p:nvSpPr>
-          <p:cNvPr id="7" name="Rectangle 2"/>
-          <p:cNvSpPr txBox="1">
-            <a:spLocks noChangeArrowheads="1"/>
-          </p:cNvSpPr>
-          <p:nvPr/>
-        </p:nvSpPr>
-        <p:spPr>
-          <a:xfrm>
-            <a:off x="72008" y="116632"/>
-            <a:ext cx="8964488" cy="1143000"/>
-          </a:xfrm>
-          <a:prstGeom prst="rect">
-            <a:avLst/>
-          </a:prstGeom>
-        </p:spPr>
-        <p:txBody>
-          <a:bodyPr vert="horz" lIns="92075" tIns="46038" rIns="92075" bIns="46038" rtlCol="0" anchor="ctr">
-            <a:noAutofit/>
-          </a:bodyPr>
-          <a:lstStyle>
-            <a:lvl1pPr algn="ctr" defTabSz="914400" rtl="0" eaLnBrk="1" latinLnBrk="0" hangingPunct="1">
-              <a:spcBef>
-                <a:spcPct val="0"/>
-              </a:spcBef>
-              <a:buNone/>
-              <a:defRPr sz="4400" kern="1200">
-                <a:solidFill>
-                  <a:schemeClr val="tx1"/>
-                </a:solidFill>
-                <a:latin typeface="+mj-lt"/>
-                <a:ea typeface="+mj-ea"/>
-                <a:cs typeface="+mj-cs"/>
-              </a:defRPr>
-            </a:lvl1pPr>
-          </a:lstStyle>
-          <a:p>
-            <a:pPr>
-              <a:defRPr/>
-            </a:pPr>
-            <a:r>
-              <a:rPr lang="es-ES_tradnl" sz="3600" dirty="0">
-                <a:solidFill>
-                  <a:srgbClr val="3333CC"/>
-                </a:solidFill>
-                <a:effectLst>
-                  <a:outerShdw blurRad="38100" dist="38100" dir="2700000" algn="tl">
-                    <a:srgbClr val="C0C0C0"/>
-                  </a:outerShdw>
-                </a:effectLst>
-                <a:latin typeface="Dom Casual" charset="0"/>
-              </a:rPr>
-              <a:t> </a:t>
-            </a:r>
-            <a:r>
-              <a:rPr lang="es-ES_tradnl" sz="3600" b="1" dirty="0">
-                <a:solidFill>
-                  <a:schemeClr val="accent4">
-                    <a:lumMod val="50000"/>
-                  </a:schemeClr>
-                </a:solidFill>
-                <a:effectLst>
-                  <a:outerShdw blurRad="38100" dist="38100" dir="2700000" algn="tl">
-                    <a:srgbClr val="C0C0C0"/>
-                  </a:outerShdw>
-                </a:effectLst>
-                <a:latin typeface="Dom Casual" charset="0"/>
-              </a:rPr>
-              <a:t>El Modelo OSI</a:t>
-            </a:r>
-          </a:p>
-        </p:txBody>
-      </p:sp>
-    </p:spTree>
-    <p:extLst>
-      <p:ext uri="{BB962C8B-B14F-4D97-AF65-F5344CB8AC3E}">
-        <p14:creationId xmlns:p14="http://schemas.microsoft.com/office/powerpoint/2010/main" val="976797607"/>
-      </p:ext>
-    </p:extLst>
-  </p:cSld>
-  <p:clrMapOvr>
-    <a:masterClrMapping/>
-  </p:clrMapOvr>
-  <p:timing>
-    <p:tnLst>
-      <p:par>
-        <p:cTn id="1" dur="indefinite" restart="never" nodeType="tmRoot">
-          <p:childTnLst>
-            <p:seq concurrent="1" nextAc="seek">
-              <p:cTn id="2" dur="indefinite" nodeType="mainSeq">
-                <p:childTnLst>
-                  <p:par>
-                    <p:cTn id="3" fill="hold" nodeType="clickPar">
-                      <p:stCondLst>
-                        <p:cond delay="indefinite"/>
-                      </p:stCondLst>
-                      <p:childTnLst>
-                        <p:par>
-                          <p:cTn id="4" fill="hold" nodeType="withGroup">
-                            <p:stCondLst>
-                              <p:cond delay="0"/>
-                            </p:stCondLst>
-                            <p:childTnLst>
-                              <p:par>
-                                <p:cTn id="5" presetID="1" presetClass="entr" presetSubtype="0" fill="hold" grpId="0" nodeType="clickEffect">
-                                  <p:stCondLst>
-                                    <p:cond delay="0"/>
-                                  </p:stCondLst>
-                                  <p:childTnLst>
-                                    <p:set>
-                                      <p:cBhvr>
-                                        <p:cTn id="6" dur="1" fill="hold">
-                                          <p:stCondLst>
-                                            <p:cond delay="0"/>
-                                          </p:stCondLst>
-                                        </p:cTn>
-                                        <p:tgtEl>
-                                          <p:spTgt spid="4101"/>
-                                        </p:tgtEl>
-                                        <p:attrNameLst>
-                                          <p:attrName>style.visibility</p:attrName>
-                                        </p:attrNameLst>
-                                      </p:cBhvr>
-                                      <p:to>
-                                        <p:strVal val="visible"/>
-                                      </p:to>
-                                    </p:set>
-                                  </p:childTnLst>
-                                </p:cTn>
-                              </p:par>
-                            </p:childTnLst>
-                          </p:cTn>
-                        </p:par>
-                      </p:childTnLst>
-                    </p:cTn>
-                  </p:par>
-                  <p:par>
-                    <p:cTn id="7" fill="hold">
-                      <p:stCondLst>
-                        <p:cond delay="indefinite"/>
-                      </p:stCondLst>
-                      <p:childTnLst>
-                        <p:par>
-                          <p:cTn id="8" fill="hold">
-                            <p:stCondLst>
-                              <p:cond delay="0"/>
-                            </p:stCondLst>
-                            <p:childTnLst>
-                              <p:par>
-                                <p:cTn id="9" presetID="4" presetClass="entr" presetSubtype="16" fill="hold" grpId="0" nodeType="clickEffect">
-                                  <p:stCondLst>
-                                    <p:cond delay="0"/>
-                                  </p:stCondLst>
-                                  <p:childTnLst>
-                                    <p:set>
-                                      <p:cBhvr>
-                                        <p:cTn id="10" dur="1" fill="hold">
-                                          <p:stCondLst>
-                                            <p:cond delay="0"/>
-                                          </p:stCondLst>
-                                        </p:cTn>
-                                        <p:tgtEl>
-                                          <p:spTgt spid="3076"/>
-                                        </p:tgtEl>
-                                        <p:attrNameLst>
-                                          <p:attrName>style.visibility</p:attrName>
-                                        </p:attrNameLst>
-                                      </p:cBhvr>
-                                      <p:to>
-                                        <p:strVal val="visible"/>
-                                      </p:to>
-                                    </p:set>
-                                    <p:animEffect transition="in" filter="box(in)">
-                                      <p:cBhvr>
-                                        <p:cTn id="11" dur="2000"/>
-                                        <p:tgtEl>
-                                          <p:spTgt spid="3076"/>
-                                        </p:tgtEl>
-                                      </p:cBhvr>
-                                    </p:animEffect>
-                                  </p:childTnLst>
-                                </p:cTn>
-                              </p:par>
-                            </p:childTnLst>
-                          </p:cTn>
-                        </p:par>
-                      </p:childTnLst>
-                    </p:cTn>
-                  </p:par>
-                  <p:par>
-                    <p:cTn id="12" fill="hold" nodeType="clickPar">
-                      <p:stCondLst>
-                        <p:cond delay="indefinite"/>
-                      </p:stCondLst>
-                      <p:childTnLst>
-                        <p:par>
-                          <p:cTn id="13" fill="hold" nodeType="withGroup">
-                            <p:stCondLst>
-                              <p:cond delay="0"/>
-                            </p:stCondLst>
-                            <p:childTnLst>
-                              <p:par>
-                                <p:cTn id="14" presetID="4" presetClass="entr" presetSubtype="16" fill="hold" grpId="0" nodeType="clickEffect">
-                                  <p:stCondLst>
-                                    <p:cond delay="0"/>
-                                  </p:stCondLst>
-                                  <p:childTnLst>
-                                    <p:set>
-                                      <p:cBhvr>
-                                        <p:cTn id="15" dur="1" fill="hold">
-                                          <p:stCondLst>
-                                            <p:cond delay="0"/>
-                                          </p:stCondLst>
-                                        </p:cTn>
-                                        <p:tgtEl>
-                                          <p:spTgt spid="6"/>
-                                        </p:tgtEl>
-                                        <p:attrNameLst>
-                                          <p:attrName>style.visibility</p:attrName>
-                                        </p:attrNameLst>
-                                      </p:cBhvr>
-                                      <p:to>
-                                        <p:strVal val="visible"/>
-                                      </p:to>
-                                    </p:set>
-                                    <p:animEffect transition="in" filter="box(in)">
-                                      <p:cBhvr>
-                                        <p:cTn id="16" dur="2000"/>
-                                        <p:tgtEl>
-                                          <p:spTgt spid="6"/>
-                                        </p:tgtEl>
-                                      </p:cBhvr>
-                                    </p:animEffect>
-                                  </p:childTnLst>
-                                </p:cTn>
-                              </p:par>
-                            </p:childTnLst>
-                          </p:cTn>
-                        </p:par>
-                      </p:childTnLst>
-                    </p:cTn>
-                  </p:par>
-                </p:childTnLst>
-              </p:cTn>
-              <p:prevCondLst>
-                <p:cond evt="onPrev" delay="0">
-                  <p:tgtEl>
-                    <p:sldTgt/>
-                  </p:tgtEl>
-                </p:cond>
-              </p:prevCondLst>
-              <p:nextCondLst>
-                <p:cond evt="onNext" delay="0">
-                  <p:tgtEl>
-                    <p:sldTgt/>
-                  </p:tgtEl>
-                </p:cond>
-              </p:nextCondLst>
-            </p:seq>
-          </p:childTnLst>
-        </p:cTn>
-      </p:par>
-    </p:tnLst>
-    <p:bldLst>
-      <p:bldP spid="3076" grpId="0"/>
-      <p:bldP spid="4101" grpId="0"/>
-      <p:bldP spid="6" grpId="0"/>
-    </p:bldLst>
-  </p:timing>
-</p:sld>
-</file>
-
-<file path=ppt/slides/slide30.xml><?xml version="1.0" encoding="utf-8"?>
+<file path=ppt/slides/slide31.xml><?xml version="1.0" encoding="utf-8"?>
 <p:sld xmlns:a="http://schemas.openxmlformats.org/drawingml/2006/main" xmlns:r="http://schemas.openxmlformats.org/officeDocument/2006/relationships" xmlns:p="http://schemas.openxmlformats.org/presentationml/2006/main">
   <p:cSld>
     <p:spTree>
@@ -25441,7 +26396,7 @@
           <a:graphicData uri="http://schemas.openxmlformats.org/presentationml/2006/ole">
             <mc:AlternateContent xmlns:mc="http://schemas.openxmlformats.org/markup-compatibility/2006">
               <mc:Choice xmlns:v="urn:schemas-microsoft-com:vml" Requires="v">
-                <p:oleObj spid="_x0000_s17721" name="Bitmap Image" r:id="rId4" imgW="542823" imgH="409738" progId="Paint.Picture">
+                <p:oleObj spid="_x0000_s17727" name="Bitmap Image" r:id="rId4" imgW="542823" imgH="409738" progId="Paint.Picture">
                   <p:embed/>
                 </p:oleObj>
               </mc:Choice>
@@ -25724,7 +26679,7 @@
           <a:graphicData uri="http://schemas.openxmlformats.org/presentationml/2006/ole">
             <mc:AlternateContent xmlns:mc="http://schemas.openxmlformats.org/markup-compatibility/2006">
               <mc:Choice xmlns:v="urn:schemas-microsoft-com:vml" Requires="v">
-                <p:oleObj spid="_x0000_s17722" name="Bitmap Image" r:id="rId6" imgW="485592" imgH="400000" progId="Paint.Picture">
+                <p:oleObj spid="_x0000_s17728" name="Bitmap Image" r:id="rId6" imgW="485592" imgH="400000" progId="Paint.Picture">
                   <p:embed/>
                 </p:oleObj>
               </mc:Choice>
@@ -26028,7 +26983,7 @@
           <a:graphicData uri="http://schemas.openxmlformats.org/presentationml/2006/ole">
             <mc:AlternateContent xmlns:mc="http://schemas.openxmlformats.org/markup-compatibility/2006">
               <mc:Choice xmlns:v="urn:schemas-microsoft-com:vml" Requires="v">
-                <p:oleObj spid="_x0000_s17723" name="Bitmap Image" r:id="rId8" imgW="457249" imgH="466523" progId="Paint.Picture">
+                <p:oleObj spid="_x0000_s17729" name="Bitmap Image" r:id="rId8" imgW="457249" imgH="466523" progId="Paint.Picture">
                   <p:embed/>
                 </p:oleObj>
               </mc:Choice>
@@ -27130,7 +28085,7 @@
 </p:sld>
 </file>
 
-<file path=ppt/slides/slide31.xml><?xml version="1.0" encoding="utf-8"?>
+<file path=ppt/slides/slide32.xml><?xml version="1.0" encoding="utf-8"?>
 <p:sld xmlns:a="http://schemas.openxmlformats.org/drawingml/2006/main" xmlns:r="http://schemas.openxmlformats.org/officeDocument/2006/relationships" xmlns:p="http://schemas.openxmlformats.org/presentationml/2006/main">
   <p:cSld>
     <p:spTree>
@@ -28058,7 +29013,7 @@
           <a:graphicData uri="http://schemas.openxmlformats.org/presentationml/2006/ole">
             <mc:AlternateContent xmlns:mc="http://schemas.openxmlformats.org/markup-compatibility/2006">
               <mc:Choice xmlns:v="urn:schemas-microsoft-com:vml" Requires="v">
-                <p:oleObj spid="_x0000_s22581" name="Bitmap Image" r:id="rId3" imgW="1685950" imgH="2590983" progId="Paint.Picture">
+                <p:oleObj spid="_x0000_s22583" name="Bitmap Image" r:id="rId3" imgW="1685950" imgH="2590983" progId="Paint.Picture">
                   <p:embed/>
                 </p:oleObj>
               </mc:Choice>
@@ -28891,7 +29846,7 @@
           <a:graphicData uri="http://schemas.openxmlformats.org/presentationml/2006/ole">
             <mc:AlternateContent xmlns:mc="http://schemas.openxmlformats.org/markup-compatibility/2006">
               <mc:Choice xmlns:v="urn:schemas-microsoft-com:vml" Requires="v">
-                <p:oleObj spid="_x0000_s7251" name="Bitmap Image" r:id="rId3" imgW="5505088" imgH="2486134" progId="Paint.Picture">
+                <p:oleObj spid="_x0000_s7253" name="Bitmap Image" r:id="rId3" imgW="5505088" imgH="2486134" progId="Paint.Picture">
                   <p:embed/>
                 </p:oleObj>
               </mc:Choice>
@@ -29233,7 +30188,7 @@
           <a:graphicData uri="http://schemas.openxmlformats.org/presentationml/2006/ole">
             <mc:AlternateContent xmlns:mc="http://schemas.openxmlformats.org/markup-compatibility/2006">
               <mc:Choice xmlns:v="urn:schemas-microsoft-com:vml" Requires="v">
-                <p:oleObj spid="_x0000_s8275" name="Bitmap Image" r:id="rId3" imgW="5505088" imgH="2486134" progId="Paint.Picture">
+                <p:oleObj spid="_x0000_s8277" name="Bitmap Image" r:id="rId3" imgW="5505088" imgH="2486134" progId="Paint.Picture">
                   <p:embed/>
                 </p:oleObj>
               </mc:Choice>
